--- a/새끼거미 디자인.pptx
+++ b/새끼거미 디자인.pptx
@@ -104,6 +104,11 @@
       </a:defRPr>
     </a:lvl9pPr>
   </p:defaultTextStyle>
+  <p:extLst>
+    <p:ext uri="{EFAFB233-063F-42B5-8137-9DF3F51BA10A}">
+      <p15:sldGuideLst xmlns:p15="http://schemas.microsoft.com/office/powerpoint/2012/main"/>
+    </p:ext>
+  </p:extLst>
 </p:presentation>
 </file>
 
@@ -2973,7 +2978,7 @@
           <p:nvPr>
             <p:extLst>
               <p:ext uri="{D42A27DB-BD31-4B8C-83A1-F6EECF244321}">
-                <p14:modId xmlns:p14="http://schemas.microsoft.com/office/powerpoint/2010/main" val="4036923777"/>
+                <p14:modId xmlns:p14="http://schemas.microsoft.com/office/powerpoint/2010/main" val="4171607128"/>
               </p:ext>
             </p:extLst>
           </p:nvPr>
@@ -3367,10 +3372,6 @@
                     <a:lstStyle/>
                     <a:p>
                       <a:pPr latinLnBrk="1"/>
-                      <a:r>
-                        <a:rPr lang="en-US" altLang="ko-KR" dirty="0" smtClean="0"/>
-                        <a:t>|</a:t>
-                      </a:r>
                       <a:endParaRPr lang="ko-KR" altLang="en-US" dirty="0"/>
                     </a:p>
                   </a:txBody>
@@ -3415,100 +3416,72 @@
                     <a:lstStyle/>
                     <a:p>
                       <a:pPr latinLnBrk="1"/>
-                      <a:r>
-                        <a:rPr lang="en-US" altLang="ko-KR" dirty="0" smtClean="0"/>
-                        <a:t>|</a:t>
-                      </a:r>
-                      <a:endParaRPr lang="ko-KR" altLang="en-US" dirty="0"/>
-                    </a:p>
-                  </a:txBody>
-                  <a:tcPr/>
-                </a:tc>
-                <a:tc>
-                  <a:txBody>
-                    <a:bodyPr/>
-                    <a:lstStyle/>
-                    <a:p>
-                      <a:pPr latinLnBrk="1"/>
-                      <a:r>
-                        <a:rPr lang="en-US" altLang="ko-KR" dirty="0" smtClean="0"/>
-                        <a:t>|</a:t>
-                      </a:r>
-                      <a:endParaRPr lang="ko-KR" altLang="en-US" dirty="0"/>
-                    </a:p>
-                  </a:txBody>
-                  <a:tcPr/>
-                </a:tc>
-                <a:tc>
-                  <a:txBody>
-                    <a:bodyPr/>
-                    <a:lstStyle/>
-                    <a:p>
-                      <a:pPr latinLnBrk="1"/>
-                      <a:r>
-                        <a:rPr lang="en-US" altLang="ko-KR" dirty="0" smtClean="0"/>
-                        <a:t>|</a:t>
-                      </a:r>
-                      <a:endParaRPr lang="ko-KR" altLang="en-US" dirty="0"/>
-                    </a:p>
-                  </a:txBody>
-                  <a:tcPr/>
-                </a:tc>
-                <a:tc>
-                  <a:txBody>
-                    <a:bodyPr/>
-                    <a:lstStyle/>
-                    <a:p>
-                      <a:pPr latinLnBrk="1"/>
-                      <a:r>
-                        <a:rPr lang="en-US" altLang="ko-KR" dirty="0" smtClean="0"/>
-                        <a:t>|</a:t>
-                      </a:r>
-                      <a:endParaRPr lang="ko-KR" altLang="en-US" dirty="0"/>
-                    </a:p>
-                  </a:txBody>
-                  <a:tcPr/>
-                </a:tc>
-                <a:tc>
-                  <a:txBody>
-                    <a:bodyPr/>
-                    <a:lstStyle/>
-                    <a:p>
-                      <a:pPr latinLnBrk="1"/>
-                      <a:r>
-                        <a:rPr lang="en-US" altLang="ko-KR" dirty="0" smtClean="0"/>
-                        <a:t>|</a:t>
-                      </a:r>
-                      <a:endParaRPr lang="ko-KR" altLang="en-US" dirty="0"/>
-                    </a:p>
-                  </a:txBody>
-                  <a:tcPr/>
-                </a:tc>
-                <a:tc>
-                  <a:txBody>
-                    <a:bodyPr/>
-                    <a:lstStyle/>
-                    <a:p>
-                      <a:pPr latinLnBrk="1"/>
-                      <a:r>
-                        <a:rPr lang="en-US" altLang="ko-KR" dirty="0" smtClean="0"/>
-                        <a:t>|</a:t>
-                      </a:r>
-                      <a:endParaRPr lang="ko-KR" altLang="en-US" dirty="0"/>
-                    </a:p>
-                  </a:txBody>
-                  <a:tcPr/>
-                </a:tc>
-                <a:tc>
-                  <a:txBody>
-                    <a:bodyPr/>
-                    <a:lstStyle/>
-                    <a:p>
-                      <a:pPr latinLnBrk="1"/>
-                      <a:r>
-                        <a:rPr lang="en-US" altLang="ko-KR" dirty="0" smtClean="0"/>
-                        <a:t>|</a:t>
-                      </a:r>
+                      <a:endParaRPr lang="ko-KR" altLang="en-US" dirty="0"/>
+                    </a:p>
+                  </a:txBody>
+                  <a:tcPr/>
+                </a:tc>
+                <a:tc>
+                  <a:txBody>
+                    <a:bodyPr/>
+                    <a:lstStyle/>
+                    <a:p>
+                      <a:pPr latinLnBrk="1"/>
+                      <a:endParaRPr lang="ko-KR" altLang="en-US" dirty="0"/>
+                    </a:p>
+                  </a:txBody>
+                  <a:tcPr/>
+                </a:tc>
+                <a:tc>
+                  <a:txBody>
+                    <a:bodyPr/>
+                    <a:lstStyle/>
+                    <a:p>
+                      <a:pPr latinLnBrk="1"/>
+                      <a:endParaRPr lang="ko-KR" altLang="en-US" dirty="0"/>
+                    </a:p>
+                  </a:txBody>
+                  <a:tcPr/>
+                </a:tc>
+                <a:tc>
+                  <a:txBody>
+                    <a:bodyPr/>
+                    <a:lstStyle/>
+                    <a:p>
+                      <a:pPr latinLnBrk="1"/>
+                      <a:endParaRPr lang="ko-KR" altLang="en-US" dirty="0"/>
+                    </a:p>
+                  </a:txBody>
+                  <a:tcPr/>
+                </a:tc>
+                <a:tc>
+                  <a:txBody>
+                    <a:bodyPr/>
+                    <a:lstStyle/>
+                    <a:p>
+                      <a:pPr latinLnBrk="1"/>
+                      <a:endParaRPr lang="ko-KR" altLang="en-US" dirty="0"/>
+                    </a:p>
+                  </a:txBody>
+                  <a:tcPr/>
+                </a:tc>
+                <a:tc>
+                  <a:txBody>
+                    <a:bodyPr/>
+                    <a:lstStyle/>
+                    <a:p>
+                      <a:pPr latinLnBrk="1"/>
+                      <a:endParaRPr lang="ko-KR" altLang="en-US" dirty="0"/>
+                    </a:p>
+                  </a:txBody>
+                  <a:tcPr/>
+                </a:tc>
+                <a:tc>
+                  <a:txBody>
+                    <a:bodyPr/>
+                    <a:lstStyle/>
+                    <a:p>
+                      <a:pPr latinLnBrk="1"/>
                       <a:endParaRPr lang="ko-KR" altLang="en-US" dirty="0"/>
                     </a:p>
                   </a:txBody>
@@ -3553,10 +3526,6 @@
                     <a:lstStyle/>
                     <a:p>
                       <a:pPr latinLnBrk="1"/>
-                      <a:r>
-                        <a:rPr lang="en-US" altLang="ko-KR" dirty="0" smtClean="0"/>
-                        <a:t>|</a:t>
-                      </a:r>
                       <a:endParaRPr lang="ko-KR" altLang="en-US" dirty="0"/>
                     </a:p>
                   </a:txBody>
@@ -3601,166 +3570,138 @@
                     <a:lstStyle/>
                     <a:p>
                       <a:pPr latinLnBrk="1"/>
-                      <a:r>
-                        <a:rPr lang="en-US" altLang="ko-KR" dirty="0" smtClean="0"/>
-                        <a:t>|</a:t>
-                      </a:r>
-                      <a:endParaRPr lang="ko-KR" altLang="en-US" dirty="0"/>
-                    </a:p>
-                  </a:txBody>
-                  <a:tcPr/>
-                </a:tc>
-                <a:tc>
-                  <a:txBody>
-                    <a:bodyPr/>
-                    <a:lstStyle/>
-                    <a:p>
-                      <a:pPr latinLnBrk="1"/>
-                      <a:endParaRPr lang="ko-KR" altLang="en-US" dirty="0"/>
-                    </a:p>
-                  </a:txBody>
-                  <a:tcPr/>
-                </a:tc>
-                <a:tc>
-                  <a:txBody>
-                    <a:bodyPr/>
-                    <a:lstStyle/>
-                    <a:p>
-                      <a:pPr latinLnBrk="1"/>
-                      <a:r>
-                        <a:rPr lang="en-US" altLang="ko-KR" dirty="0" smtClean="0"/>
-                        <a:t>{</a:t>
-                      </a:r>
-                      <a:endParaRPr lang="ko-KR" altLang="en-US" dirty="0"/>
-                    </a:p>
-                  </a:txBody>
-                  <a:tcPr/>
-                </a:tc>
-                <a:tc>
-                  <a:txBody>
-                    <a:bodyPr/>
-                    <a:lstStyle/>
-                    <a:p>
-                      <a:pPr latinLnBrk="1"/>
-                      <a:endParaRPr lang="ko-KR" altLang="en-US" dirty="0"/>
-                    </a:p>
-                  </a:txBody>
-                  <a:tcPr/>
-                </a:tc>
-                <a:tc>
-                  <a:txBody>
-                    <a:bodyPr/>
-                    <a:lstStyle/>
-                    <a:p>
-                      <a:pPr latinLnBrk="1"/>
-                      <a:endParaRPr lang="ko-KR" altLang="en-US" dirty="0"/>
-                    </a:p>
-                  </a:txBody>
-                  <a:tcPr/>
-                </a:tc>
-                <a:tc>
-                  <a:txBody>
-                    <a:bodyPr/>
-                    <a:lstStyle/>
-                    <a:p>
-                      <a:pPr latinLnBrk="1"/>
-                      <a:r>
-                        <a:rPr lang="en-US" altLang="ko-KR" dirty="0" smtClean="0"/>
-                        <a:t>=</a:t>
-                      </a:r>
-                      <a:endParaRPr lang="ko-KR" altLang="en-US" dirty="0"/>
-                    </a:p>
-                  </a:txBody>
-                  <a:tcPr/>
-                </a:tc>
-                <a:tc>
-                  <a:txBody>
-                    <a:bodyPr/>
-                    <a:lstStyle/>
-                    <a:p>
-                      <a:pPr latinLnBrk="1"/>
-                      <a:r>
-                        <a:rPr lang="en-US" altLang="ko-KR" dirty="0" smtClean="0"/>
-                        <a:t>=</a:t>
-                      </a:r>
-                      <a:endParaRPr lang="ko-KR" altLang="en-US" dirty="0"/>
-                    </a:p>
-                  </a:txBody>
-                  <a:tcPr/>
-                </a:tc>
-                <a:tc>
-                  <a:txBody>
-                    <a:bodyPr/>
-                    <a:lstStyle/>
-                    <a:p>
-                      <a:pPr latinLnBrk="1"/>
-                      <a:r>
-                        <a:rPr lang="en-US" altLang="ko-KR" dirty="0" smtClean="0"/>
-                        <a:t>=</a:t>
-                      </a:r>
-                      <a:endParaRPr lang="ko-KR" altLang="en-US" dirty="0"/>
-                    </a:p>
-                  </a:txBody>
-                  <a:tcPr/>
-                </a:tc>
-                <a:tc>
-                  <a:txBody>
-                    <a:bodyPr/>
-                    <a:lstStyle/>
-                    <a:p>
-                      <a:pPr latinLnBrk="1"/>
-                      <a:endParaRPr lang="ko-KR" altLang="en-US" dirty="0"/>
-                    </a:p>
-                  </a:txBody>
-                  <a:tcPr/>
-                </a:tc>
-                <a:tc>
-                  <a:txBody>
-                    <a:bodyPr/>
-                    <a:lstStyle/>
-                    <a:p>
-                      <a:pPr latinLnBrk="1"/>
-                      <a:endParaRPr lang="ko-KR" altLang="en-US" dirty="0"/>
-                    </a:p>
-                  </a:txBody>
-                  <a:tcPr/>
-                </a:tc>
-                <a:tc>
-                  <a:txBody>
-                    <a:bodyPr/>
-                    <a:lstStyle/>
-                    <a:p>
-                      <a:pPr latinLnBrk="1"/>
-                      <a:r>
-                        <a:rPr lang="en-US" altLang="ko-KR" dirty="0" smtClean="0"/>
-                        <a:t>}</a:t>
-                      </a:r>
-                      <a:endParaRPr lang="ko-KR" altLang="en-US" dirty="0"/>
-                    </a:p>
-                  </a:txBody>
-                  <a:tcPr/>
-                </a:tc>
-                <a:tc>
-                  <a:txBody>
-                    <a:bodyPr/>
-                    <a:lstStyle/>
-                    <a:p>
-                      <a:pPr latinLnBrk="1"/>
-                      <a:endParaRPr lang="ko-KR" altLang="en-US" dirty="0"/>
-                    </a:p>
-                  </a:txBody>
-                  <a:tcPr/>
-                </a:tc>
-                <a:tc>
-                  <a:txBody>
-                    <a:bodyPr/>
-                    <a:lstStyle/>
-                    <a:p>
-                      <a:pPr latinLnBrk="1"/>
-                      <a:r>
-                        <a:rPr lang="en-US" altLang="ko-KR" dirty="0" smtClean="0"/>
-                        <a:t>|</a:t>
-                      </a:r>
+                      <a:endParaRPr lang="ko-KR" altLang="en-US" dirty="0"/>
+                    </a:p>
+                  </a:txBody>
+                  <a:tcPr/>
+                </a:tc>
+                <a:tc>
+                  <a:txBody>
+                    <a:bodyPr/>
+                    <a:lstStyle/>
+                    <a:p>
+                      <a:pPr latinLnBrk="1"/>
+                      <a:endParaRPr lang="ko-KR" altLang="en-US" dirty="0"/>
+                    </a:p>
+                  </a:txBody>
+                  <a:tcPr/>
+                </a:tc>
+                <a:tc>
+                  <a:txBody>
+                    <a:bodyPr/>
+                    <a:lstStyle/>
+                    <a:p>
+                      <a:pPr latinLnBrk="1"/>
+                      <a:endParaRPr lang="ko-KR" altLang="en-US" dirty="0"/>
+                    </a:p>
+                  </a:txBody>
+                  <a:tcPr/>
+                </a:tc>
+                <a:tc>
+                  <a:txBody>
+                    <a:bodyPr/>
+                    <a:lstStyle/>
+                    <a:p>
+                      <a:pPr latinLnBrk="1"/>
+                      <a:endParaRPr lang="ko-KR" altLang="en-US" dirty="0"/>
+                    </a:p>
+                  </a:txBody>
+                  <a:tcPr/>
+                </a:tc>
+                <a:tc>
+                  <a:txBody>
+                    <a:bodyPr/>
+                    <a:lstStyle/>
+                    <a:p>
+                      <a:pPr latinLnBrk="1"/>
+                      <a:endParaRPr lang="ko-KR" altLang="en-US" dirty="0"/>
+                    </a:p>
+                  </a:txBody>
+                  <a:tcPr/>
+                </a:tc>
+                <a:tc>
+                  <a:txBody>
+                    <a:bodyPr/>
+                    <a:lstStyle/>
+                    <a:p>
+                      <a:pPr latinLnBrk="1"/>
+                      <a:endParaRPr lang="ko-KR" altLang="en-US" dirty="0"/>
+                    </a:p>
+                  </a:txBody>
+                  <a:tcPr/>
+                </a:tc>
+                <a:tc>
+                  <a:txBody>
+                    <a:bodyPr/>
+                    <a:lstStyle/>
+                    <a:p>
+                      <a:pPr latinLnBrk="1"/>
+                      <a:endParaRPr lang="ko-KR" altLang="en-US" dirty="0"/>
+                    </a:p>
+                  </a:txBody>
+                  <a:tcPr/>
+                </a:tc>
+                <a:tc>
+                  <a:txBody>
+                    <a:bodyPr/>
+                    <a:lstStyle/>
+                    <a:p>
+                      <a:pPr latinLnBrk="1"/>
+                      <a:endParaRPr lang="ko-KR" altLang="en-US" dirty="0"/>
+                    </a:p>
+                  </a:txBody>
+                  <a:tcPr/>
+                </a:tc>
+                <a:tc>
+                  <a:txBody>
+                    <a:bodyPr/>
+                    <a:lstStyle/>
+                    <a:p>
+                      <a:pPr latinLnBrk="1"/>
+                      <a:endParaRPr lang="ko-KR" altLang="en-US" dirty="0"/>
+                    </a:p>
+                  </a:txBody>
+                  <a:tcPr/>
+                </a:tc>
+                <a:tc>
+                  <a:txBody>
+                    <a:bodyPr/>
+                    <a:lstStyle/>
+                    <a:p>
+                      <a:pPr latinLnBrk="1"/>
+                      <a:endParaRPr lang="ko-KR" altLang="en-US" dirty="0"/>
+                    </a:p>
+                  </a:txBody>
+                  <a:tcPr/>
+                </a:tc>
+                <a:tc>
+                  <a:txBody>
+                    <a:bodyPr/>
+                    <a:lstStyle/>
+                    <a:p>
+                      <a:pPr latinLnBrk="1"/>
+                      <a:endParaRPr lang="ko-KR" altLang="en-US" dirty="0"/>
+                    </a:p>
+                  </a:txBody>
+                  <a:tcPr/>
+                </a:tc>
+                <a:tc>
+                  <a:txBody>
+                    <a:bodyPr/>
+                    <a:lstStyle/>
+                    <a:p>
+                      <a:pPr latinLnBrk="1"/>
+                      <a:endParaRPr lang="ko-KR" altLang="en-US" dirty="0"/>
+                    </a:p>
+                  </a:txBody>
+                  <a:tcPr/>
+                </a:tc>
+                <a:tc>
+                  <a:txBody>
+                    <a:bodyPr/>
+                    <a:lstStyle/>
+                    <a:p>
+                      <a:pPr latinLnBrk="1"/>
                       <a:endParaRPr lang="ko-KR" altLang="en-US" dirty="0"/>
                     </a:p>
                   </a:txBody>
@@ -3816,174 +3757,138 @@
                     <a:lstStyle/>
                     <a:p>
                       <a:pPr latinLnBrk="1"/>
-                      <a:r>
-                        <a:rPr lang="en-US" altLang="ko-KR" dirty="0" smtClean="0"/>
-                        <a:t>|</a:t>
-                      </a:r>
-                      <a:endParaRPr lang="ko-KR" altLang="en-US" dirty="0"/>
-                    </a:p>
-                  </a:txBody>
-                  <a:tcPr/>
-                </a:tc>
-                <a:tc>
-                  <a:txBody>
-                    <a:bodyPr/>
-                    <a:lstStyle/>
-                    <a:p>
-                      <a:pPr latinLnBrk="1"/>
-                      <a:endParaRPr lang="ko-KR" altLang="en-US" dirty="0"/>
-                    </a:p>
-                  </a:txBody>
-                  <a:tcPr/>
-                </a:tc>
-                <a:tc>
-                  <a:txBody>
-                    <a:bodyPr/>
-                    <a:lstStyle/>
-                    <a:p>
-                      <a:pPr latinLnBrk="1"/>
-                      <a:r>
-                        <a:rPr lang="en-US" altLang="ko-KR" dirty="0" smtClean="0"/>
-                        <a:t>{</a:t>
-                      </a:r>
-                      <a:endParaRPr lang="ko-KR" altLang="en-US" dirty="0"/>
-                    </a:p>
-                  </a:txBody>
-                  <a:tcPr/>
-                </a:tc>
-                <a:tc>
-                  <a:txBody>
-                    <a:bodyPr/>
-                    <a:lstStyle/>
-                    <a:p>
-                      <a:pPr latinLnBrk="1"/>
-                      <a:endParaRPr lang="ko-KR" altLang="en-US" dirty="0"/>
-                    </a:p>
-                  </a:txBody>
-                  <a:tcPr/>
-                </a:tc>
-                <a:tc>
-                  <a:txBody>
-                    <a:bodyPr/>
-                    <a:lstStyle/>
-                    <a:p>
-                      <a:pPr latinLnBrk="1"/>
-                      <a:r>
-                        <a:rPr lang="en-US" altLang="ko-KR" dirty="0" smtClean="0"/>
-                        <a:t>=</a:t>
-                      </a:r>
-                      <a:endParaRPr lang="ko-KR" altLang="en-US" dirty="0"/>
-                    </a:p>
-                  </a:txBody>
-                  <a:tcPr/>
-                </a:tc>
-                <a:tc>
-                  <a:txBody>
-                    <a:bodyPr/>
-                    <a:lstStyle/>
-                    <a:p>
-                      <a:pPr latinLnBrk="1"/>
-                      <a:r>
-                        <a:rPr lang="en-US" altLang="ko-KR" dirty="0" smtClean="0"/>
-                        <a:t>=</a:t>
-                      </a:r>
-                      <a:endParaRPr lang="ko-KR" altLang="en-US" dirty="0"/>
-                    </a:p>
-                  </a:txBody>
-                  <a:tcPr/>
-                </a:tc>
-                <a:tc>
-                  <a:txBody>
-                    <a:bodyPr/>
-                    <a:lstStyle/>
-                    <a:p>
-                      <a:pPr latinLnBrk="1"/>
-                      <a:r>
-                        <a:rPr lang="en-US" altLang="ko-KR" dirty="0" smtClean="0"/>
-                        <a:t>=</a:t>
-                      </a:r>
-                      <a:endParaRPr lang="ko-KR" altLang="en-US" dirty="0"/>
-                    </a:p>
-                  </a:txBody>
-                  <a:tcPr/>
-                </a:tc>
-                <a:tc>
-                  <a:txBody>
-                    <a:bodyPr/>
-                    <a:lstStyle/>
-                    <a:p>
-                      <a:pPr latinLnBrk="1"/>
-                      <a:r>
-                        <a:rPr lang="en-US" altLang="ko-KR" dirty="0" smtClean="0"/>
-                        <a:t>=</a:t>
-                      </a:r>
-                      <a:endParaRPr lang="ko-KR" altLang="en-US" dirty="0"/>
-                    </a:p>
-                  </a:txBody>
-                  <a:tcPr/>
-                </a:tc>
-                <a:tc>
-                  <a:txBody>
-                    <a:bodyPr/>
-                    <a:lstStyle/>
-                    <a:p>
-                      <a:pPr latinLnBrk="1"/>
-                      <a:r>
-                        <a:rPr lang="en-US" altLang="ko-KR" dirty="0" smtClean="0"/>
-                        <a:t>=</a:t>
-                      </a:r>
-                      <a:endParaRPr lang="ko-KR" altLang="en-US" dirty="0"/>
-                    </a:p>
-                  </a:txBody>
-                  <a:tcPr/>
-                </a:tc>
-                <a:tc>
-                  <a:txBody>
-                    <a:bodyPr/>
-                    <a:lstStyle/>
-                    <a:p>
-                      <a:pPr latinLnBrk="1"/>
-                      <a:endParaRPr lang="ko-KR" altLang="en-US" dirty="0"/>
-                    </a:p>
-                  </a:txBody>
-                  <a:tcPr/>
-                </a:tc>
-                <a:tc>
-                  <a:txBody>
-                    <a:bodyPr/>
-                    <a:lstStyle/>
-                    <a:p>
-                      <a:pPr latinLnBrk="1"/>
-                      <a:r>
-                        <a:rPr lang="en-US" altLang="ko-KR" dirty="0" smtClean="0"/>
-                        <a:t>}</a:t>
-                      </a:r>
-                      <a:endParaRPr lang="ko-KR" altLang="en-US" dirty="0"/>
-                    </a:p>
-                  </a:txBody>
-                  <a:tcPr/>
-                </a:tc>
-                <a:tc>
-                  <a:txBody>
-                    <a:bodyPr/>
-                    <a:lstStyle/>
-                    <a:p>
-                      <a:pPr latinLnBrk="1"/>
-                      <a:endParaRPr lang="ko-KR" altLang="en-US" dirty="0"/>
-                    </a:p>
-                  </a:txBody>
-                  <a:tcPr/>
-                </a:tc>
-                <a:tc>
-                  <a:txBody>
-                    <a:bodyPr/>
-                    <a:lstStyle/>
-                    <a:p>
-                      <a:pPr latinLnBrk="1"/>
-                      <a:r>
-                        <a:rPr lang="en-US" altLang="ko-KR" dirty="0" smtClean="0"/>
-                        <a:t>|</a:t>
-                      </a:r>
+                      <a:endParaRPr lang="ko-KR" altLang="en-US" dirty="0"/>
+                    </a:p>
+                  </a:txBody>
+                  <a:tcPr/>
+                </a:tc>
+                <a:tc>
+                  <a:txBody>
+                    <a:bodyPr/>
+                    <a:lstStyle/>
+                    <a:p>
+                      <a:pPr latinLnBrk="1"/>
+                      <a:endParaRPr lang="ko-KR" altLang="en-US" dirty="0"/>
+                    </a:p>
+                  </a:txBody>
+                  <a:tcPr/>
+                </a:tc>
+                <a:tc>
+                  <a:txBody>
+                    <a:bodyPr/>
+                    <a:lstStyle/>
+                    <a:p>
+                      <a:pPr latinLnBrk="1"/>
+                      <a:endParaRPr lang="ko-KR" altLang="en-US" dirty="0"/>
+                    </a:p>
+                  </a:txBody>
+                  <a:tcPr/>
+                </a:tc>
+                <a:tc>
+                  <a:txBody>
+                    <a:bodyPr/>
+                    <a:lstStyle/>
+                    <a:p>
+                      <a:pPr latinLnBrk="1"/>
+                      <a:endParaRPr lang="ko-KR" altLang="en-US" dirty="0"/>
+                    </a:p>
+                  </a:txBody>
+                  <a:tcPr/>
+                </a:tc>
+                <a:tc>
+                  <a:txBody>
+                    <a:bodyPr/>
+                    <a:lstStyle/>
+                    <a:p>
+                      <a:pPr latinLnBrk="1"/>
+                      <a:endParaRPr lang="ko-KR" altLang="en-US" dirty="0"/>
+                    </a:p>
+                  </a:txBody>
+                  <a:tcPr/>
+                </a:tc>
+                <a:tc>
+                  <a:txBody>
+                    <a:bodyPr/>
+                    <a:lstStyle/>
+                    <a:p>
+                      <a:pPr latinLnBrk="1"/>
+                      <a:endParaRPr lang="ko-KR" altLang="en-US" dirty="0"/>
+                    </a:p>
+                  </a:txBody>
+                  <a:tcPr/>
+                </a:tc>
+                <a:tc>
+                  <a:txBody>
+                    <a:bodyPr/>
+                    <a:lstStyle/>
+                    <a:p>
+                      <a:pPr latinLnBrk="1"/>
+                      <a:endParaRPr lang="ko-KR" altLang="en-US" dirty="0"/>
+                    </a:p>
+                  </a:txBody>
+                  <a:tcPr/>
+                </a:tc>
+                <a:tc>
+                  <a:txBody>
+                    <a:bodyPr/>
+                    <a:lstStyle/>
+                    <a:p>
+                      <a:pPr latinLnBrk="1"/>
+                      <a:endParaRPr lang="ko-KR" altLang="en-US" dirty="0"/>
+                    </a:p>
+                  </a:txBody>
+                  <a:tcPr/>
+                </a:tc>
+                <a:tc>
+                  <a:txBody>
+                    <a:bodyPr/>
+                    <a:lstStyle/>
+                    <a:p>
+                      <a:pPr latinLnBrk="1"/>
+                      <a:endParaRPr lang="ko-KR" altLang="en-US" dirty="0"/>
+                    </a:p>
+                  </a:txBody>
+                  <a:tcPr/>
+                </a:tc>
+                <a:tc>
+                  <a:txBody>
+                    <a:bodyPr/>
+                    <a:lstStyle/>
+                    <a:p>
+                      <a:pPr latinLnBrk="1"/>
+                      <a:endParaRPr lang="ko-KR" altLang="en-US" dirty="0"/>
+                    </a:p>
+                  </a:txBody>
+                  <a:tcPr/>
+                </a:tc>
+                <a:tc>
+                  <a:txBody>
+                    <a:bodyPr/>
+                    <a:lstStyle/>
+                    <a:p>
+                      <a:pPr latinLnBrk="1"/>
+                      <a:endParaRPr lang="ko-KR" altLang="en-US" dirty="0"/>
+                    </a:p>
+                  </a:txBody>
+                  <a:tcPr/>
+                </a:tc>
+                <a:tc>
+                  <a:txBody>
+                    <a:bodyPr/>
+                    <a:lstStyle/>
+                    <a:p>
+                      <a:pPr latinLnBrk="1"/>
+                      <a:endParaRPr lang="ko-KR" altLang="en-US" dirty="0"/>
+                    </a:p>
+                  </a:txBody>
+                  <a:tcPr/>
+                </a:tc>
+                <a:tc>
+                  <a:txBody>
+                    <a:bodyPr/>
+                    <a:lstStyle/>
+                    <a:p>
+                      <a:pPr latinLnBrk="1"/>
                       <a:endParaRPr lang="ko-KR" altLang="en-US" dirty="0"/>
                     </a:p>
                   </a:txBody>
@@ -4050,144 +3955,116 @@
                     <a:lstStyle/>
                     <a:p>
                       <a:pPr latinLnBrk="1"/>
-                      <a:r>
-                        <a:rPr lang="en-US" altLang="ko-KR" dirty="0" smtClean="0"/>
-                        <a:t>|</a:t>
-                      </a:r>
-                      <a:endParaRPr lang="ko-KR" altLang="en-US" dirty="0"/>
-                    </a:p>
-                  </a:txBody>
-                  <a:tcPr/>
-                </a:tc>
-                <a:tc>
-                  <a:txBody>
-                    <a:bodyPr/>
-                    <a:lstStyle/>
-                    <a:p>
-                      <a:pPr latinLnBrk="1"/>
-                      <a:r>
-                        <a:rPr lang="en-US" altLang="ko-KR" dirty="0" smtClean="0"/>
-                        <a:t>{</a:t>
-                      </a:r>
-                      <a:endParaRPr lang="ko-KR" altLang="en-US" dirty="0"/>
-                    </a:p>
-                  </a:txBody>
-                  <a:tcPr/>
-                </a:tc>
-                <a:tc>
-                  <a:txBody>
-                    <a:bodyPr/>
-                    <a:lstStyle/>
-                    <a:p>
-                      <a:pPr latinLnBrk="1"/>
-                      <a:endParaRPr lang="ko-KR" altLang="en-US" dirty="0"/>
-                    </a:p>
-                  </a:txBody>
-                  <a:tcPr/>
-                </a:tc>
-                <a:tc>
-                  <a:txBody>
-                    <a:bodyPr/>
-                    <a:lstStyle/>
-                    <a:p>
-                      <a:pPr latinLnBrk="1"/>
-                      <a:endParaRPr lang="ko-KR" altLang="en-US" dirty="0"/>
-                    </a:p>
-                  </a:txBody>
-                  <a:tcPr/>
-                </a:tc>
-                <a:tc>
-                  <a:txBody>
-                    <a:bodyPr/>
-                    <a:lstStyle/>
-                    <a:p>
-                      <a:pPr latinLnBrk="1"/>
-                      <a:r>
-                        <a:rPr lang="en-US" altLang="ko-KR" dirty="0" smtClean="0"/>
-                        <a:t>=</a:t>
-                      </a:r>
-                      <a:endParaRPr lang="ko-KR" altLang="en-US" dirty="0"/>
-                    </a:p>
-                  </a:txBody>
-                  <a:tcPr/>
-                </a:tc>
-                <a:tc>
-                  <a:txBody>
-                    <a:bodyPr/>
-                    <a:lstStyle/>
-                    <a:p>
-                      <a:pPr latinLnBrk="1"/>
-                      <a:r>
-                        <a:rPr lang="en-US" altLang="ko-KR" dirty="0" smtClean="0"/>
-                        <a:t>=</a:t>
-                      </a:r>
-                      <a:endParaRPr lang="ko-KR" altLang="en-US" dirty="0"/>
-                    </a:p>
-                  </a:txBody>
-                  <a:tcPr/>
-                </a:tc>
-                <a:tc>
-                  <a:txBody>
-                    <a:bodyPr/>
-                    <a:lstStyle/>
-                    <a:p>
-                      <a:pPr latinLnBrk="1"/>
-                      <a:r>
-                        <a:rPr lang="en-US" altLang="ko-KR" dirty="0" smtClean="0"/>
-                        <a:t>=</a:t>
-                      </a:r>
-                      <a:endParaRPr lang="ko-KR" altLang="en-US" dirty="0"/>
-                    </a:p>
-                  </a:txBody>
-                  <a:tcPr/>
-                </a:tc>
-                <a:tc>
-                  <a:txBody>
-                    <a:bodyPr/>
-                    <a:lstStyle/>
-                    <a:p>
-                      <a:pPr latinLnBrk="1"/>
-                      <a:endParaRPr lang="ko-KR" altLang="en-US" dirty="0"/>
-                    </a:p>
-                  </a:txBody>
-                  <a:tcPr/>
-                </a:tc>
-                <a:tc>
-                  <a:txBody>
-                    <a:bodyPr/>
-                    <a:lstStyle/>
-                    <a:p>
-                      <a:pPr latinLnBrk="1"/>
-                      <a:endParaRPr lang="ko-KR" altLang="en-US" dirty="0"/>
-                    </a:p>
-                  </a:txBody>
-                  <a:tcPr/>
-                </a:tc>
-                <a:tc>
-                  <a:txBody>
-                    <a:bodyPr/>
-                    <a:lstStyle/>
-                    <a:p>
-                      <a:pPr latinLnBrk="1"/>
-                      <a:r>
-                        <a:rPr lang="en-US" altLang="ko-KR" dirty="0" smtClean="0"/>
-                        <a:t>}</a:t>
-                      </a:r>
-                      <a:endParaRPr lang="ko-KR" altLang="en-US" dirty="0"/>
-                    </a:p>
-                  </a:txBody>
-                  <a:tcPr/>
-                </a:tc>
-                <a:tc>
-                  <a:txBody>
-                    <a:bodyPr/>
-                    <a:lstStyle/>
-                    <a:p>
-                      <a:pPr latinLnBrk="1"/>
-                      <a:r>
-                        <a:rPr lang="en-US" altLang="ko-KR" dirty="0" smtClean="0"/>
-                        <a:t>|</a:t>
-                      </a:r>
+                      <a:endParaRPr lang="ko-KR" altLang="en-US" dirty="0"/>
+                    </a:p>
+                  </a:txBody>
+                  <a:tcPr/>
+                </a:tc>
+                <a:tc>
+                  <a:txBody>
+                    <a:bodyPr/>
+                    <a:lstStyle/>
+                    <a:p>
+                      <a:pPr latinLnBrk="1"/>
+                      <a:endParaRPr lang="ko-KR" altLang="en-US" dirty="0"/>
+                    </a:p>
+                  </a:txBody>
+                  <a:tcPr/>
+                </a:tc>
+                <a:tc>
+                  <a:txBody>
+                    <a:bodyPr/>
+                    <a:lstStyle/>
+                    <a:p>
+                      <a:pPr latinLnBrk="1"/>
+                      <a:endParaRPr lang="ko-KR" altLang="en-US" dirty="0"/>
+                    </a:p>
+                  </a:txBody>
+                  <a:tcPr/>
+                </a:tc>
+                <a:tc>
+                  <a:txBody>
+                    <a:bodyPr/>
+                    <a:lstStyle/>
+                    <a:p>
+                      <a:pPr latinLnBrk="1"/>
+                      <a:endParaRPr lang="ko-KR" altLang="en-US" dirty="0"/>
+                    </a:p>
+                  </a:txBody>
+                  <a:tcPr/>
+                </a:tc>
+                <a:tc>
+                  <a:txBody>
+                    <a:bodyPr/>
+                    <a:lstStyle/>
+                    <a:p>
+                      <a:pPr latinLnBrk="1"/>
+                      <a:endParaRPr lang="ko-KR" altLang="en-US" dirty="0"/>
+                    </a:p>
+                  </a:txBody>
+                  <a:tcPr/>
+                </a:tc>
+                <a:tc>
+                  <a:txBody>
+                    <a:bodyPr/>
+                    <a:lstStyle/>
+                    <a:p>
+                      <a:pPr latinLnBrk="1"/>
+                      <a:endParaRPr lang="ko-KR" altLang="en-US" dirty="0"/>
+                    </a:p>
+                  </a:txBody>
+                  <a:tcPr/>
+                </a:tc>
+                <a:tc>
+                  <a:txBody>
+                    <a:bodyPr/>
+                    <a:lstStyle/>
+                    <a:p>
+                      <a:pPr latinLnBrk="1"/>
+                      <a:endParaRPr lang="ko-KR" altLang="en-US" dirty="0"/>
+                    </a:p>
+                  </a:txBody>
+                  <a:tcPr/>
+                </a:tc>
+                <a:tc>
+                  <a:txBody>
+                    <a:bodyPr/>
+                    <a:lstStyle/>
+                    <a:p>
+                      <a:pPr latinLnBrk="1"/>
+                      <a:endParaRPr lang="ko-KR" altLang="en-US" dirty="0"/>
+                    </a:p>
+                  </a:txBody>
+                  <a:tcPr/>
+                </a:tc>
+                <a:tc>
+                  <a:txBody>
+                    <a:bodyPr/>
+                    <a:lstStyle/>
+                    <a:p>
+                      <a:pPr latinLnBrk="1"/>
+                      <a:endParaRPr lang="ko-KR" altLang="en-US" dirty="0"/>
+                    </a:p>
+                  </a:txBody>
+                  <a:tcPr/>
+                </a:tc>
+                <a:tc>
+                  <a:txBody>
+                    <a:bodyPr/>
+                    <a:lstStyle/>
+                    <a:p>
+                      <a:pPr latinLnBrk="1"/>
+                      <a:endParaRPr lang="ko-KR" altLang="en-US" dirty="0"/>
+                    </a:p>
+                  </a:txBody>
+                  <a:tcPr/>
+                </a:tc>
+                <a:tc>
+                  <a:txBody>
+                    <a:bodyPr/>
+                    <a:lstStyle/>
+                    <a:p>
+                      <a:pPr latinLnBrk="1"/>
                       <a:endParaRPr lang="ko-KR" altLang="en-US" dirty="0"/>
                     </a:p>
                   </a:txBody>
@@ -4287,80 +4164,72 @@
                     <a:lstStyle/>
                     <a:p>
                       <a:pPr latinLnBrk="1"/>
-                      <a:r>
-                        <a:rPr lang="en-US" altLang="ko-KR" dirty="0" smtClean="0"/>
-                        <a:t>{</a:t>
-                      </a:r>
-                      <a:endParaRPr lang="ko-KR" altLang="en-US" dirty="0"/>
-                    </a:p>
-                  </a:txBody>
-                  <a:tcPr/>
-                </a:tc>
-                <a:tc>
-                  <a:txBody>
-                    <a:bodyPr/>
-                    <a:lstStyle/>
-                    <a:p>
-                      <a:pPr latinLnBrk="1"/>
-                      <a:endParaRPr lang="ko-KR" altLang="en-US" dirty="0"/>
-                    </a:p>
-                  </a:txBody>
-                  <a:tcPr/>
-                </a:tc>
-                <a:tc>
-                  <a:txBody>
-                    <a:bodyPr/>
-                    <a:lstStyle/>
-                    <a:p>
-                      <a:pPr latinLnBrk="1"/>
-                      <a:endParaRPr lang="ko-KR" altLang="en-US" dirty="0"/>
-                    </a:p>
-                  </a:txBody>
-                  <a:tcPr/>
-                </a:tc>
-                <a:tc>
-                  <a:txBody>
-                    <a:bodyPr/>
-                    <a:lstStyle/>
-                    <a:p>
-                      <a:pPr latinLnBrk="1"/>
-                      <a:endParaRPr lang="ko-KR" altLang="en-US" dirty="0"/>
-                    </a:p>
-                  </a:txBody>
-                  <a:tcPr/>
-                </a:tc>
-                <a:tc>
-                  <a:txBody>
-                    <a:bodyPr/>
-                    <a:lstStyle/>
-                    <a:p>
-                      <a:pPr latinLnBrk="1"/>
-                      <a:endParaRPr lang="ko-KR" altLang="en-US" dirty="0"/>
-                    </a:p>
-                  </a:txBody>
-                  <a:tcPr/>
-                </a:tc>
-                <a:tc>
-                  <a:txBody>
-                    <a:bodyPr/>
-                    <a:lstStyle/>
-                    <a:p>
-                      <a:pPr latinLnBrk="1"/>
-                      <a:endParaRPr lang="ko-KR" altLang="en-US" dirty="0"/>
-                    </a:p>
-                  </a:txBody>
-                  <a:tcPr/>
-                </a:tc>
-                <a:tc>
-                  <a:txBody>
-                    <a:bodyPr/>
-                    <a:lstStyle/>
-                    <a:p>
-                      <a:pPr latinLnBrk="1"/>
-                      <a:r>
-                        <a:rPr lang="en-US" altLang="ko-KR" dirty="0" smtClean="0"/>
-                        <a:t>}</a:t>
-                      </a:r>
+                      <a:endParaRPr lang="ko-KR" altLang="en-US" dirty="0"/>
+                    </a:p>
+                  </a:txBody>
+                  <a:tcPr/>
+                </a:tc>
+                <a:tc>
+                  <a:txBody>
+                    <a:bodyPr/>
+                    <a:lstStyle/>
+                    <a:p>
+                      <a:pPr latinLnBrk="1"/>
+                      <a:endParaRPr lang="ko-KR" altLang="en-US" dirty="0"/>
+                    </a:p>
+                  </a:txBody>
+                  <a:tcPr/>
+                </a:tc>
+                <a:tc>
+                  <a:txBody>
+                    <a:bodyPr/>
+                    <a:lstStyle/>
+                    <a:p>
+                      <a:pPr latinLnBrk="1"/>
+                      <a:endParaRPr lang="ko-KR" altLang="en-US" dirty="0"/>
+                    </a:p>
+                  </a:txBody>
+                  <a:tcPr/>
+                </a:tc>
+                <a:tc>
+                  <a:txBody>
+                    <a:bodyPr/>
+                    <a:lstStyle/>
+                    <a:p>
+                      <a:pPr latinLnBrk="1"/>
+                      <a:endParaRPr lang="ko-KR" altLang="en-US" dirty="0"/>
+                    </a:p>
+                  </a:txBody>
+                  <a:tcPr/>
+                </a:tc>
+                <a:tc>
+                  <a:txBody>
+                    <a:bodyPr/>
+                    <a:lstStyle/>
+                    <a:p>
+                      <a:pPr latinLnBrk="1"/>
+                      <a:endParaRPr lang="ko-KR" altLang="en-US" dirty="0"/>
+                    </a:p>
+                  </a:txBody>
+                  <a:tcPr/>
+                </a:tc>
+                <a:tc>
+                  <a:txBody>
+                    <a:bodyPr/>
+                    <a:lstStyle/>
+                    <a:p>
+                      <a:pPr latinLnBrk="1"/>
+                      <a:endParaRPr lang="ko-KR" altLang="en-US" dirty="0"/>
+                    </a:p>
+                  </a:txBody>
+                  <a:tcPr/>
+                </a:tc>
+                <a:tc>
+                  <a:txBody>
+                    <a:bodyPr/>
+                    <a:lstStyle/>
+                    <a:p>
+                      <a:pPr latinLnBrk="1"/>
                       <a:endParaRPr lang="ko-KR" altLang="en-US" dirty="0"/>
                     </a:p>
                   </a:txBody>
@@ -4460,148 +4329,116 @@
                     <a:lstStyle/>
                     <a:p>
                       <a:pPr latinLnBrk="1"/>
-                      <a:r>
-                        <a:rPr lang="en-US" altLang="ko-KR" dirty="0" smtClean="0"/>
-                        <a:t>|</a:t>
-                      </a:r>
-                      <a:endParaRPr lang="ko-KR" altLang="en-US" dirty="0"/>
-                    </a:p>
-                  </a:txBody>
-                  <a:tcPr/>
-                </a:tc>
-                <a:tc>
-                  <a:txBody>
-                    <a:bodyPr/>
-                    <a:lstStyle/>
-                    <a:p>
-                      <a:pPr latinLnBrk="1"/>
-                      <a:endParaRPr lang="ko-KR" altLang="en-US" dirty="0"/>
-                    </a:p>
-                  </a:txBody>
-                  <a:tcPr/>
-                </a:tc>
-                <a:tc>
-                  <a:txBody>
-                    <a:bodyPr/>
-                    <a:lstStyle/>
-                    <a:p>
-                      <a:pPr latinLnBrk="1"/>
-                      <a:r>
-                        <a:rPr lang="en-US" altLang="ko-KR" dirty="0" smtClean="0"/>
-                        <a:t>-</a:t>
-                      </a:r>
-                      <a:endParaRPr lang="ko-KR" altLang="en-US" dirty="0"/>
-                    </a:p>
-                  </a:txBody>
-                  <a:tcPr/>
-                </a:tc>
-                <a:tc>
-                  <a:txBody>
-                    <a:bodyPr/>
-                    <a:lstStyle/>
-                    <a:p>
-                      <a:pPr latinLnBrk="1"/>
-                      <a:r>
-                        <a:rPr lang="en-US" altLang="ko-KR" dirty="0" smtClean="0"/>
-                        <a:t>-</a:t>
-                      </a:r>
-                      <a:endParaRPr lang="ko-KR" altLang="en-US" dirty="0"/>
-                    </a:p>
-                  </a:txBody>
-                  <a:tcPr/>
-                </a:tc>
-                <a:tc>
-                  <a:txBody>
-                    <a:bodyPr/>
-                    <a:lstStyle/>
-                    <a:p>
-                      <a:pPr latinLnBrk="1"/>
-                      <a:r>
-                        <a:rPr lang="en-US" altLang="ko-KR" dirty="0" smtClean="0"/>
-                        <a:t>-</a:t>
-                      </a:r>
-                      <a:endParaRPr lang="ko-KR" altLang="en-US" dirty="0"/>
-                    </a:p>
-                  </a:txBody>
-                  <a:tcPr/>
-                </a:tc>
-                <a:tc>
-                  <a:txBody>
-                    <a:bodyPr/>
-                    <a:lstStyle/>
-                    <a:p>
-                      <a:pPr latinLnBrk="1"/>
-                      <a:endParaRPr lang="ko-KR" altLang="en-US" dirty="0"/>
-                    </a:p>
-                  </a:txBody>
-                  <a:tcPr/>
-                </a:tc>
-                <a:tc>
-                  <a:txBody>
-                    <a:bodyPr/>
-                    <a:lstStyle/>
-                    <a:p>
-                      <a:pPr latinLnBrk="1"/>
-                      <a:r>
-                        <a:rPr lang="en-US" altLang="ko-KR" smtClean="0"/>
-                        <a:t>-</a:t>
-                      </a:r>
-                      <a:endParaRPr lang="ko-KR" altLang="en-US" dirty="0"/>
-                    </a:p>
-                  </a:txBody>
-                  <a:tcPr/>
-                </a:tc>
-                <a:tc>
-                  <a:txBody>
-                    <a:bodyPr/>
-                    <a:lstStyle/>
-                    <a:p>
-                      <a:pPr latinLnBrk="1"/>
-                      <a:r>
-                        <a:rPr lang="en-US" altLang="ko-KR" dirty="0" smtClean="0"/>
-                        <a:t>-</a:t>
-                      </a:r>
-                      <a:endParaRPr lang="ko-KR" altLang="en-US" dirty="0"/>
-                    </a:p>
-                  </a:txBody>
-                  <a:tcPr/>
-                </a:tc>
-                <a:tc>
-                  <a:txBody>
-                    <a:bodyPr/>
-                    <a:lstStyle/>
-                    <a:p>
-                      <a:pPr latinLnBrk="1"/>
-                      <a:r>
-                        <a:rPr lang="en-US" altLang="ko-KR" dirty="0" smtClean="0"/>
-                        <a:t>-</a:t>
-                      </a:r>
-                      <a:endParaRPr lang="ko-KR" altLang="en-US" dirty="0"/>
-                    </a:p>
-                  </a:txBody>
-                  <a:tcPr/>
-                </a:tc>
-                <a:tc>
-                  <a:txBody>
-                    <a:bodyPr/>
-                    <a:lstStyle/>
-                    <a:p>
-                      <a:pPr latinLnBrk="1"/>
-                      <a:endParaRPr lang="ko-KR" altLang="en-US" dirty="0"/>
-                    </a:p>
-                  </a:txBody>
-                  <a:tcPr/>
-                </a:tc>
-                <a:tc>
-                  <a:txBody>
-                    <a:bodyPr/>
-                    <a:lstStyle/>
-                    <a:p>
-                      <a:pPr latinLnBrk="1"/>
-                      <a:r>
-                        <a:rPr lang="en-US" altLang="ko-KR" dirty="0" smtClean="0"/>
-                        <a:t>|</a:t>
-                      </a:r>
+                      <a:endParaRPr lang="ko-KR" altLang="en-US" dirty="0"/>
+                    </a:p>
+                  </a:txBody>
+                  <a:tcPr/>
+                </a:tc>
+                <a:tc>
+                  <a:txBody>
+                    <a:bodyPr/>
+                    <a:lstStyle/>
+                    <a:p>
+                      <a:pPr latinLnBrk="1"/>
+                      <a:endParaRPr lang="ko-KR" altLang="en-US" dirty="0"/>
+                    </a:p>
+                  </a:txBody>
+                  <a:tcPr/>
+                </a:tc>
+                <a:tc>
+                  <a:txBody>
+                    <a:bodyPr/>
+                    <a:lstStyle/>
+                    <a:p>
+                      <a:pPr latinLnBrk="1"/>
+                      <a:endParaRPr lang="ko-KR" altLang="en-US" dirty="0"/>
+                    </a:p>
+                  </a:txBody>
+                  <a:tcPr/>
+                </a:tc>
+                <a:tc>
+                  <a:txBody>
+                    <a:bodyPr/>
+                    <a:lstStyle/>
+                    <a:p>
+                      <a:pPr latinLnBrk="1"/>
+                      <a:endParaRPr lang="ko-KR" altLang="en-US" dirty="0"/>
+                    </a:p>
+                  </a:txBody>
+                  <a:tcPr/>
+                </a:tc>
+                <a:tc>
+                  <a:txBody>
+                    <a:bodyPr/>
+                    <a:lstStyle/>
+                    <a:p>
+                      <a:pPr latinLnBrk="1"/>
+                      <a:endParaRPr lang="ko-KR" altLang="en-US" dirty="0"/>
+                    </a:p>
+                  </a:txBody>
+                  <a:tcPr/>
+                </a:tc>
+                <a:tc>
+                  <a:txBody>
+                    <a:bodyPr/>
+                    <a:lstStyle/>
+                    <a:p>
+                      <a:pPr latinLnBrk="1"/>
+                      <a:endParaRPr lang="ko-KR" altLang="en-US" dirty="0"/>
+                    </a:p>
+                  </a:txBody>
+                  <a:tcPr/>
+                </a:tc>
+                <a:tc>
+                  <a:txBody>
+                    <a:bodyPr/>
+                    <a:lstStyle/>
+                    <a:p>
+                      <a:pPr latinLnBrk="1"/>
+                      <a:endParaRPr lang="ko-KR" altLang="en-US" dirty="0"/>
+                    </a:p>
+                  </a:txBody>
+                  <a:tcPr/>
+                </a:tc>
+                <a:tc>
+                  <a:txBody>
+                    <a:bodyPr/>
+                    <a:lstStyle/>
+                    <a:p>
+                      <a:pPr latinLnBrk="1"/>
+                      <a:endParaRPr lang="ko-KR" altLang="en-US" dirty="0"/>
+                    </a:p>
+                  </a:txBody>
+                  <a:tcPr/>
+                </a:tc>
+                <a:tc>
+                  <a:txBody>
+                    <a:bodyPr/>
+                    <a:lstStyle/>
+                    <a:p>
+                      <a:pPr latinLnBrk="1"/>
+                      <a:endParaRPr lang="ko-KR" altLang="en-US" dirty="0"/>
+                    </a:p>
+                  </a:txBody>
+                  <a:tcPr/>
+                </a:tc>
+                <a:tc>
+                  <a:txBody>
+                    <a:bodyPr/>
+                    <a:lstStyle/>
+                    <a:p>
+                      <a:pPr latinLnBrk="1"/>
+                      <a:endParaRPr lang="ko-KR" altLang="en-US" dirty="0"/>
+                    </a:p>
+                  </a:txBody>
+                  <a:tcPr/>
+                </a:tc>
+                <a:tc>
+                  <a:txBody>
+                    <a:bodyPr/>
+                    <a:lstStyle/>
+                    <a:p>
+                      <a:pPr latinLnBrk="1"/>
                       <a:endParaRPr lang="ko-KR" altLang="en-US" dirty="0"/>
                     </a:p>
                   </a:txBody>
@@ -4624,7 +4461,7 @@
                     <a:lstStyle/>
                     <a:p>
                       <a:pPr latinLnBrk="1"/>
-                      <a:endParaRPr lang="ko-KR" altLang="en-US"/>
+                      <a:endParaRPr lang="ko-KR" altLang="en-US" dirty="0"/>
                     </a:p>
                   </a:txBody>
                   <a:tcPr/>
@@ -4668,6 +4505,61 @@
                     <a:lstStyle/>
                     <a:p>
                       <a:pPr latinLnBrk="1"/>
+                      <a:endParaRPr lang="ko-KR" altLang="en-US" dirty="0"/>
+                    </a:p>
+                  </a:txBody>
+                  <a:tcPr/>
+                </a:tc>
+                <a:tc>
+                  <a:txBody>
+                    <a:bodyPr/>
+                    <a:lstStyle/>
+                    <a:p>
+                      <a:pPr latinLnBrk="1"/>
+                      <a:endParaRPr lang="ko-KR" altLang="en-US" dirty="0"/>
+                    </a:p>
+                  </a:txBody>
+                  <a:tcPr/>
+                </a:tc>
+                <a:tc>
+                  <a:txBody>
+                    <a:bodyPr/>
+                    <a:lstStyle/>
+                    <a:p>
+                      <a:pPr latinLnBrk="1"/>
+                      <a:endParaRPr lang="ko-KR" altLang="en-US" dirty="0"/>
+                    </a:p>
+                  </a:txBody>
+                  <a:tcPr/>
+                </a:tc>
+                <a:tc>
+                  <a:txBody>
+                    <a:bodyPr/>
+                    <a:lstStyle/>
+                    <a:p>
+                      <a:pPr latinLnBrk="1"/>
+                      <a:endParaRPr lang="ko-KR" altLang="en-US" dirty="0"/>
+                    </a:p>
+                  </a:txBody>
+                  <a:tcPr/>
+                </a:tc>
+                <a:tc>
+                  <a:txBody>
+                    <a:bodyPr/>
+                    <a:lstStyle/>
+                    <a:p>
+                      <a:pPr latinLnBrk="1"/>
+                      <a:endParaRPr lang="ko-KR" altLang="en-US" dirty="0"/>
+                    </a:p>
+                  </a:txBody>
+                  <a:tcPr/>
+                </a:tc>
+                <a:tc>
+                  <a:txBody>
+                    <a:bodyPr/>
+                    <a:lstStyle/>
+                    <a:p>
+                      <a:pPr latinLnBrk="1"/>
                       <a:r>
                         <a:rPr lang="en-US" altLang="ko-KR" dirty="0" smtClean="0"/>
                         <a:t>|</a:t>
@@ -4683,50 +4575,6 @@
                     <a:lstStyle/>
                     <a:p>
                       <a:pPr latinLnBrk="1"/>
-                      <a:endParaRPr lang="ko-KR" altLang="en-US" dirty="0"/>
-                    </a:p>
-                  </a:txBody>
-                  <a:tcPr/>
-                </a:tc>
-                <a:tc>
-                  <a:txBody>
-                    <a:bodyPr/>
-                    <a:lstStyle/>
-                    <a:p>
-                      <a:pPr latinLnBrk="1"/>
-                      <a:endParaRPr lang="ko-KR" altLang="en-US" dirty="0"/>
-                    </a:p>
-                  </a:txBody>
-                  <a:tcPr/>
-                </a:tc>
-                <a:tc>
-                  <a:txBody>
-                    <a:bodyPr/>
-                    <a:lstStyle/>
-                    <a:p>
-                      <a:pPr latinLnBrk="1"/>
-                      <a:endParaRPr lang="ko-KR" altLang="en-US" dirty="0"/>
-                    </a:p>
-                  </a:txBody>
-                  <a:tcPr/>
-                </a:tc>
-                <a:tc>
-                  <a:txBody>
-                    <a:bodyPr/>
-                    <a:lstStyle/>
-                    <a:p>
-                      <a:pPr latinLnBrk="1"/>
-                      <a:endParaRPr lang="ko-KR" altLang="en-US" dirty="0"/>
-                    </a:p>
-                  </a:txBody>
-                  <a:tcPr/>
-                </a:tc>
-                <a:tc>
-                  <a:txBody>
-                    <a:bodyPr/>
-                    <a:lstStyle/>
-                    <a:p>
-                      <a:pPr latinLnBrk="1"/>
                       <a:r>
                         <a:rPr lang="en-US" altLang="ko-KR" dirty="0" smtClean="0"/>
                         <a:t>|</a:t>
@@ -4757,69 +4605,50 @@
                     <a:lstStyle/>
                     <a:p>
                       <a:pPr latinLnBrk="1"/>
-                      <a:r>
-                        <a:rPr lang="en-US" altLang="ko-KR" dirty="0" smtClean="0"/>
-                        <a:t>|</a:t>
-                      </a:r>
-                      <a:endParaRPr lang="ko-KR" altLang="en-US" dirty="0"/>
-                    </a:p>
-                  </a:txBody>
-                  <a:tcPr/>
-                </a:tc>
-                <a:tc>
-                  <a:txBody>
-                    <a:bodyPr/>
-                    <a:lstStyle/>
-                    <a:p>
-                      <a:pPr latinLnBrk="1"/>
-                      <a:endParaRPr lang="ko-KR" altLang="en-US" dirty="0"/>
-                    </a:p>
-                  </a:txBody>
-                  <a:tcPr/>
-                </a:tc>
-                <a:tc>
-                  <a:txBody>
-                    <a:bodyPr/>
-                    <a:lstStyle/>
-                    <a:p>
-                      <a:pPr latinLnBrk="1"/>
-                      <a:endParaRPr lang="ko-KR" altLang="en-US" dirty="0"/>
-                    </a:p>
-                  </a:txBody>
-                  <a:tcPr/>
-                </a:tc>
-                <a:tc>
-                  <a:txBody>
-                    <a:bodyPr/>
-                    <a:lstStyle/>
-                    <a:p>
-                      <a:pPr latinLnBrk="1"/>
-                      <a:endParaRPr lang="ko-KR" altLang="en-US" dirty="0"/>
-                    </a:p>
-                  </a:txBody>
-                  <a:tcPr/>
-                </a:tc>
-                <a:tc>
-                  <a:txBody>
-                    <a:bodyPr/>
-                    <a:lstStyle/>
-                    <a:p>
-                      <a:pPr latinLnBrk="1"/>
-                      <a:endParaRPr lang="ko-KR" altLang="en-US" dirty="0"/>
-                    </a:p>
-                  </a:txBody>
-                  <a:tcPr/>
-                </a:tc>
-                <a:tc>
-                  <a:txBody>
-                    <a:bodyPr/>
-                    <a:lstStyle/>
-                    <a:p>
-                      <a:pPr latinLnBrk="1"/>
-                      <a:r>
-                        <a:rPr lang="en-US" altLang="ko-KR" dirty="0" smtClean="0"/>
-                        <a:t>|</a:t>
-                      </a:r>
+                      <a:endParaRPr lang="ko-KR" altLang="en-US" dirty="0"/>
+                    </a:p>
+                  </a:txBody>
+                  <a:tcPr/>
+                </a:tc>
+                <a:tc>
+                  <a:txBody>
+                    <a:bodyPr/>
+                    <a:lstStyle/>
+                    <a:p>
+                      <a:pPr latinLnBrk="1"/>
+                      <a:endParaRPr lang="ko-KR" altLang="en-US" dirty="0"/>
+                    </a:p>
+                  </a:txBody>
+                  <a:tcPr/>
+                </a:tc>
+                <a:tc>
+                  <a:txBody>
+                    <a:bodyPr/>
+                    <a:lstStyle/>
+                    <a:p>
+                      <a:pPr latinLnBrk="1"/>
+                      <a:endParaRPr lang="ko-KR" altLang="en-US" dirty="0"/>
+                    </a:p>
+                  </a:txBody>
+                  <a:tcPr/>
+                </a:tc>
+                <a:tc>
+                  <a:txBody>
+                    <a:bodyPr/>
+                    <a:lstStyle/>
+                    <a:p>
+                      <a:pPr latinLnBrk="1"/>
+                      <a:endParaRPr lang="ko-KR" altLang="en-US" dirty="0"/>
+                    </a:p>
+                  </a:txBody>
+                  <a:tcPr/>
+                </a:tc>
+                <a:tc>
+                  <a:txBody>
+                    <a:bodyPr/>
+                    <a:lstStyle/>
+                    <a:p>
+                      <a:pPr latinLnBrk="1"/>
                       <a:endParaRPr lang="ko-KR" altLang="en-US" dirty="0"/>
                     </a:p>
                   </a:txBody>
@@ -4875,6 +4704,17 @@
                     <a:lstStyle/>
                     <a:p>
                       <a:pPr latinLnBrk="1"/>
+                      <a:endParaRPr lang="ko-KR" altLang="en-US" dirty="0"/>
+                    </a:p>
+                  </a:txBody>
+                  <a:tcPr/>
+                </a:tc>
+                <a:tc>
+                  <a:txBody>
+                    <a:bodyPr/>
+                    <a:lstStyle/>
+                    <a:p>
+                      <a:pPr latinLnBrk="1"/>
                       <a:r>
                         <a:rPr lang="en-US" altLang="ko-KR" dirty="0" smtClean="0"/>
                         <a:t>|</a:t>
@@ -4890,39 +4730,6 @@
                     <a:lstStyle/>
                     <a:p>
                       <a:pPr latinLnBrk="1"/>
-                      <a:endParaRPr lang="ko-KR" altLang="en-US"/>
-                    </a:p>
-                  </a:txBody>
-                  <a:tcPr/>
-                </a:tc>
-                <a:tc>
-                  <a:txBody>
-                    <a:bodyPr/>
-                    <a:lstStyle/>
-                    <a:p>
-                      <a:pPr latinLnBrk="1"/>
-                      <a:endParaRPr lang="ko-KR" altLang="en-US" dirty="0"/>
-                    </a:p>
-                  </a:txBody>
-                  <a:tcPr/>
-                </a:tc>
-                <a:tc>
-                  <a:txBody>
-                    <a:bodyPr/>
-                    <a:lstStyle/>
-                    <a:p>
-                      <a:pPr latinLnBrk="1"/>
-                      <a:endParaRPr lang="ko-KR" altLang="en-US" dirty="0"/>
-                    </a:p>
-                  </a:txBody>
-                  <a:tcPr/>
-                </a:tc>
-                <a:tc>
-                  <a:txBody>
-                    <a:bodyPr/>
-                    <a:lstStyle/>
-                    <a:p>
-                      <a:pPr latinLnBrk="1"/>
                       <a:r>
                         <a:rPr lang="en-US" altLang="ko-KR" dirty="0" smtClean="0"/>
                         <a:t>|</a:t>
@@ -4949,28 +4756,6 @@
                     <a:lstStyle/>
                     <a:p>
                       <a:pPr latinLnBrk="1"/>
-                      <a:endParaRPr lang="ko-KR" altLang="en-US" dirty="0"/>
-                    </a:p>
-                  </a:txBody>
-                  <a:tcPr/>
-                </a:tc>
-                <a:tc>
-                  <a:txBody>
-                    <a:bodyPr/>
-                    <a:lstStyle/>
-                    <a:p>
-                      <a:pPr latinLnBrk="1"/>
-                      <a:endParaRPr lang="ko-KR" altLang="en-US" dirty="0"/>
-                    </a:p>
-                  </a:txBody>
-                  <a:tcPr/>
-                </a:tc>
-                <a:tc>
-                  <a:txBody>
-                    <a:bodyPr/>
-                    <a:lstStyle/>
-                    <a:p>
-                      <a:pPr latinLnBrk="1"/>
                       <a:r>
                         <a:rPr lang="en-US" altLang="ko-KR" dirty="0" smtClean="0"/>
                         <a:t>|</a:t>
@@ -5023,6 +4808,58 @@
                         <a:rPr lang="en-US" altLang="ko-KR" dirty="0" smtClean="0"/>
                         <a:t>|</a:t>
                       </a:r>
+                      <a:endParaRPr lang="ko-KR" altLang="en-US" dirty="0"/>
+                    </a:p>
+                  </a:txBody>
+                  <a:tcPr/>
+                </a:tc>
+                <a:tc>
+                  <a:txBody>
+                    <a:bodyPr/>
+                    <a:lstStyle/>
+                    <a:p>
+                      <a:pPr latinLnBrk="1"/>
+                      <a:endParaRPr lang="ko-KR" altLang="en-US" dirty="0"/>
+                    </a:p>
+                  </a:txBody>
+                  <a:tcPr/>
+                </a:tc>
+                <a:tc>
+                  <a:txBody>
+                    <a:bodyPr/>
+                    <a:lstStyle/>
+                    <a:p>
+                      <a:pPr latinLnBrk="1"/>
+                      <a:r>
+                        <a:rPr lang="en-US" altLang="ko-KR" dirty="0" smtClean="0"/>
+                        <a:t>|</a:t>
+                      </a:r>
+                      <a:endParaRPr lang="ko-KR" altLang="en-US" dirty="0"/>
+                    </a:p>
+                  </a:txBody>
+                  <a:tcPr/>
+                </a:tc>
+                <a:tc>
+                  <a:txBody>
+                    <a:bodyPr/>
+                    <a:lstStyle/>
+                    <a:p>
+                      <a:pPr latinLnBrk="1"/>
+                      <a:r>
+                        <a:rPr lang="en-US" altLang="ko-KR" dirty="0" smtClean="0"/>
+                        <a:t>|</a:t>
+                      </a:r>
+                      <a:endParaRPr lang="ko-KR" altLang="en-US" dirty="0"/>
+                    </a:p>
+                  </a:txBody>
+                  <a:tcPr/>
+                </a:tc>
+                <a:tc>
+                  <a:txBody>
+                    <a:bodyPr/>
+                    <a:lstStyle/>
+                    <a:p>
+                      <a:pPr latinLnBrk="1"/>
                       <a:endParaRPr lang="ko-KR" altLang="en-US" dirty="0"/>
                     </a:p>
                   </a:txBody>
@@ -5067,6 +4904,17 @@
                     <a:lstStyle/>
                     <a:p>
                       <a:pPr latinLnBrk="1"/>
+                      <a:endParaRPr lang="ko-KR" altLang="en-US" dirty="0"/>
+                    </a:p>
+                  </a:txBody>
+                  <a:tcPr/>
+                </a:tc>
+                <a:tc>
+                  <a:txBody>
+                    <a:bodyPr/>
+                    <a:lstStyle/>
+                    <a:p>
+                      <a:pPr latinLnBrk="1"/>
                       <a:r>
                         <a:rPr lang="en-US" altLang="ko-KR" dirty="0" smtClean="0"/>
                         <a:t>|</a:t>
@@ -5093,17 +4941,6 @@
                     <a:lstStyle/>
                     <a:p>
                       <a:pPr latinLnBrk="1"/>
-                      <a:endParaRPr lang="ko-KR" altLang="en-US" dirty="0"/>
-                    </a:p>
-                  </a:txBody>
-                  <a:tcPr/>
-                </a:tc>
-                <a:tc>
-                  <a:txBody>
-                    <a:bodyPr/>
-                    <a:lstStyle/>
-                    <a:p>
-                      <a:pPr latinLnBrk="1"/>
                       <a:r>
                         <a:rPr lang="en-US" altLang="ko-KR" dirty="0" smtClean="0"/>
                         <a:t>|</a:t>
@@ -5246,21 +5083,21 @@
                     <a:lstStyle/>
                     <a:p>
                       <a:pPr latinLnBrk="1"/>
-                      <a:endParaRPr lang="ko-KR" altLang="en-US" dirty="0"/>
-                    </a:p>
-                  </a:txBody>
-                  <a:tcPr/>
-                </a:tc>
-                <a:tc>
-                  <a:txBody>
-                    <a:bodyPr/>
-                    <a:lstStyle/>
-                    <a:p>
-                      <a:pPr latinLnBrk="1"/>
                       <a:r>
                         <a:rPr lang="en-US" altLang="ko-KR" dirty="0" smtClean="0"/>
                         <a:t>|</a:t>
                       </a:r>
+                      <a:endParaRPr lang="ko-KR" altLang="en-US" dirty="0"/>
+                    </a:p>
+                  </a:txBody>
+                  <a:tcPr/>
+                </a:tc>
+                <a:tc>
+                  <a:txBody>
+                    <a:bodyPr/>
+                    <a:lstStyle/>
+                    <a:p>
+                      <a:pPr latinLnBrk="1"/>
                       <a:endParaRPr lang="ko-KR" altLang="en-US" dirty="0"/>
                     </a:p>
                   </a:txBody>
@@ -5294,28 +5131,6 @@
                     <a:lstStyle/>
                     <a:p>
                       <a:pPr latinLnBrk="1"/>
-                      <a:endParaRPr lang="ko-KR" altLang="en-US"/>
-                    </a:p>
-                  </a:txBody>
-                  <a:tcPr/>
-                </a:tc>
-                <a:tc>
-                  <a:txBody>
-                    <a:bodyPr/>
-                    <a:lstStyle/>
-                    <a:p>
-                      <a:pPr latinLnBrk="1"/>
-                      <a:endParaRPr lang="ko-KR" altLang="en-US"/>
-                    </a:p>
-                  </a:txBody>
-                  <a:tcPr/>
-                </a:tc>
-                <a:tc>
-                  <a:txBody>
-                    <a:bodyPr/>
-                    <a:lstStyle/>
-                    <a:p>
-                      <a:pPr latinLnBrk="1"/>
                       <a:r>
                         <a:rPr lang="en-US" altLang="ko-KR" dirty="0" smtClean="0"/>
                         <a:t>|</a:t>
@@ -5370,6 +5185,32 @@
                       <a:pPr latinLnBrk="1"/>
                       <a:r>
                         <a:rPr lang="en-US" altLang="ko-KR" dirty="0" smtClean="0"/>
+                        <a:t>|</a:t>
+                      </a:r>
+                      <a:endParaRPr lang="ko-KR" altLang="en-US" dirty="0"/>
+                    </a:p>
+                  </a:txBody>
+                  <a:tcPr/>
+                </a:tc>
+                <a:tc>
+                  <a:txBody>
+                    <a:bodyPr/>
+                    <a:lstStyle/>
+                    <a:p>
+                      <a:pPr latinLnBrk="1"/>
+                      <a:endParaRPr lang="ko-KR" altLang="en-US" dirty="0"/>
+                    </a:p>
+                  </a:txBody>
+                  <a:tcPr/>
+                </a:tc>
+                <a:tc>
+                  <a:txBody>
+                    <a:bodyPr/>
+                    <a:lstStyle/>
+                    <a:p>
+                      <a:pPr latinLnBrk="1"/>
+                      <a:r>
+                        <a:rPr lang="en-US" altLang="ko-KR" dirty="0" smtClean="0"/>
                         <a:t>0</a:t>
                       </a:r>
                       <a:endParaRPr lang="ko-KR" altLang="en-US" dirty="0"/>
@@ -5461,18 +5302,22 @@
                     <a:lstStyle/>
                     <a:p>
                       <a:pPr latinLnBrk="1"/>
-                      <a:endParaRPr lang="ko-KR" altLang="en-US"/>
-                    </a:p>
-                  </a:txBody>
-                  <a:tcPr/>
-                </a:tc>
-                <a:tc>
-                  <a:txBody>
-                    <a:bodyPr/>
-                    <a:lstStyle/>
-                    <a:p>
-                      <a:pPr latinLnBrk="1"/>
-                      <a:endParaRPr lang="ko-KR" altLang="en-US"/>
+                      <a:endParaRPr lang="ko-KR" altLang="en-US" dirty="0"/>
+                    </a:p>
+                  </a:txBody>
+                  <a:tcPr/>
+                </a:tc>
+                <a:tc>
+                  <a:txBody>
+                    <a:bodyPr/>
+                    <a:lstStyle/>
+                    <a:p>
+                      <a:pPr latinLnBrk="1"/>
+                      <a:r>
+                        <a:rPr lang="en-US" altLang="ko-KR" dirty="0" smtClean="0"/>
+                        <a:t>|</a:t>
+                      </a:r>
+                      <a:endParaRPr lang="ko-KR" altLang="en-US" dirty="0"/>
                     </a:p>
                   </a:txBody>
                   <a:tcPr/>
@@ -5505,28 +5350,6 @@
                     <a:lstStyle/>
                     <a:p>
                       <a:pPr latinLnBrk="1"/>
-                      <a:endParaRPr lang="ko-KR" altLang="en-US"/>
-                    </a:p>
-                  </a:txBody>
-                  <a:tcPr/>
-                </a:tc>
-                <a:tc>
-                  <a:txBody>
-                    <a:bodyPr/>
-                    <a:lstStyle/>
-                    <a:p>
-                      <a:pPr latinLnBrk="1"/>
-                      <a:endParaRPr lang="ko-KR" altLang="en-US"/>
-                    </a:p>
-                  </a:txBody>
-                  <a:tcPr/>
-                </a:tc>
-                <a:tc>
-                  <a:txBody>
-                    <a:bodyPr/>
-                    <a:lstStyle/>
-                    <a:p>
-                      <a:pPr latinLnBrk="1"/>
                       <a:r>
                         <a:rPr lang="en-US" altLang="ko-KR" dirty="0" smtClean="0"/>
                         <a:t>|</a:t>
@@ -5553,6 +5376,32 @@
                     <a:lstStyle/>
                     <a:p>
                       <a:pPr latinLnBrk="1"/>
+                      <a:r>
+                        <a:rPr lang="en-US" altLang="ko-KR" dirty="0" smtClean="0"/>
+                        <a:t>|</a:t>
+                      </a:r>
+                      <a:endParaRPr lang="ko-KR" altLang="en-US" dirty="0"/>
+                    </a:p>
+                  </a:txBody>
+                  <a:tcPr/>
+                </a:tc>
+                <a:tc>
+                  <a:txBody>
+                    <a:bodyPr/>
+                    <a:lstStyle/>
+                    <a:p>
+                      <a:pPr latinLnBrk="1"/>
+                      <a:endParaRPr lang="ko-KR" altLang="en-US" dirty="0"/>
+                    </a:p>
+                  </a:txBody>
+                  <a:tcPr/>
+                </a:tc>
+                <a:tc>
+                  <a:txBody>
+                    <a:bodyPr/>
+                    <a:lstStyle/>
+                    <a:p>
+                      <a:pPr latinLnBrk="1"/>
                       <a:endParaRPr lang="ko-KR" altLang="en-US" dirty="0"/>
                     </a:p>
                   </a:txBody>
@@ -5650,7 +5499,7 @@
                     <a:lstStyle/>
                     <a:p>
                       <a:pPr latinLnBrk="1"/>
-                      <a:endParaRPr lang="ko-KR" altLang="en-US"/>
+                      <a:endParaRPr lang="ko-KR" altLang="en-US" dirty="0"/>
                     </a:p>
                   </a:txBody>
                   <a:tcPr/>
@@ -5687,7 +5536,11 @@
                     <a:lstStyle/>
                     <a:p>
                       <a:pPr latinLnBrk="1"/>
-                      <a:endParaRPr lang="ko-KR" altLang="en-US"/>
+                      <a:r>
+                        <a:rPr lang="en-US" altLang="ko-KR" dirty="0" smtClean="0"/>
+                        <a:t>|</a:t>
+                      </a:r>
+                      <a:endParaRPr lang="ko-KR" altLang="en-US" dirty="0"/>
                     </a:p>
                   </a:txBody>
                   <a:tcPr/>
@@ -6002,39 +5855,47 @@
                     <a:lstStyle/>
                     <a:p>
                       <a:pPr latinLnBrk="1"/>
-                      <a:endParaRPr lang="ko-KR" altLang="en-US" dirty="0"/>
-                    </a:p>
-                  </a:txBody>
-                  <a:tcPr/>
-                </a:tc>
-                <a:tc>
-                  <a:txBody>
-                    <a:bodyPr/>
-                    <a:lstStyle/>
-                    <a:p>
-                      <a:pPr latinLnBrk="1"/>
-                      <a:endParaRPr lang="ko-KR" altLang="en-US" dirty="0"/>
-                    </a:p>
-                  </a:txBody>
-                  <a:tcPr/>
-                </a:tc>
-                <a:tc>
-                  <a:txBody>
-                    <a:bodyPr/>
-                    <a:lstStyle/>
-                    <a:p>
-                      <a:pPr latinLnBrk="1"/>
-                      <a:endParaRPr lang="ko-KR" altLang="en-US" dirty="0"/>
-                    </a:p>
-                  </a:txBody>
-                  <a:tcPr/>
-                </a:tc>
-                <a:tc>
-                  <a:txBody>
-                    <a:bodyPr/>
-                    <a:lstStyle/>
-                    <a:p>
-                      <a:pPr latinLnBrk="1"/>
+                      <a:r>
+                        <a:rPr lang="en-US" altLang="ko-KR" dirty="0" smtClean="0"/>
+                        <a:t>|</a:t>
+                      </a:r>
+                      <a:endParaRPr lang="ko-KR" altLang="en-US" dirty="0"/>
+                    </a:p>
+                  </a:txBody>
+                  <a:tcPr/>
+                </a:tc>
+                <a:tc>
+                  <a:txBody>
+                    <a:bodyPr/>
+                    <a:lstStyle/>
+                    <a:p>
+                      <a:pPr latinLnBrk="1"/>
+                      <a:endParaRPr lang="ko-KR" altLang="en-US" dirty="0"/>
+                    </a:p>
+                  </a:txBody>
+                  <a:tcPr/>
+                </a:tc>
+                <a:tc>
+                  <a:txBody>
+                    <a:bodyPr/>
+                    <a:lstStyle/>
+                    <a:p>
+                      <a:pPr latinLnBrk="1"/>
+                      <a:endParaRPr lang="ko-KR" altLang="en-US" dirty="0"/>
+                    </a:p>
+                  </a:txBody>
+                  <a:tcPr/>
+                </a:tc>
+                <a:tc>
+                  <a:txBody>
+                    <a:bodyPr/>
+                    <a:lstStyle/>
+                    <a:p>
+                      <a:pPr latinLnBrk="1"/>
+                      <a:r>
+                        <a:rPr lang="en-US" altLang="ko-KR" dirty="0" smtClean="0"/>
+                        <a:t>|</a:t>
+                      </a:r>
                       <a:endParaRPr lang="ko-KR" altLang="en-US" dirty="0"/>
                     </a:p>
                   </a:txBody>
@@ -6205,39 +6066,47 @@
                     <a:lstStyle/>
                     <a:p>
                       <a:pPr latinLnBrk="1"/>
-                      <a:endParaRPr lang="ko-KR" altLang="en-US" dirty="0"/>
-                    </a:p>
-                  </a:txBody>
-                  <a:tcPr/>
-                </a:tc>
-                <a:tc>
-                  <a:txBody>
-                    <a:bodyPr/>
-                    <a:lstStyle/>
-                    <a:p>
-                      <a:pPr latinLnBrk="1"/>
-                      <a:endParaRPr lang="ko-KR" altLang="en-US" dirty="0"/>
-                    </a:p>
-                  </a:txBody>
-                  <a:tcPr/>
-                </a:tc>
-                <a:tc>
-                  <a:txBody>
-                    <a:bodyPr/>
-                    <a:lstStyle/>
-                    <a:p>
-                      <a:pPr latinLnBrk="1"/>
-                      <a:endParaRPr lang="ko-KR" altLang="en-US" dirty="0"/>
-                    </a:p>
-                  </a:txBody>
-                  <a:tcPr/>
-                </a:tc>
-                <a:tc>
-                  <a:txBody>
-                    <a:bodyPr/>
-                    <a:lstStyle/>
-                    <a:p>
-                      <a:pPr latinLnBrk="1"/>
+                      <a:r>
+                        <a:rPr lang="en-US" altLang="ko-KR" dirty="0" smtClean="0"/>
+                        <a:t>|</a:t>
+                      </a:r>
+                      <a:endParaRPr lang="ko-KR" altLang="en-US" dirty="0"/>
+                    </a:p>
+                  </a:txBody>
+                  <a:tcPr/>
+                </a:tc>
+                <a:tc>
+                  <a:txBody>
+                    <a:bodyPr/>
+                    <a:lstStyle/>
+                    <a:p>
+                      <a:pPr latinLnBrk="1"/>
+                      <a:endParaRPr lang="ko-KR" altLang="en-US" dirty="0"/>
+                    </a:p>
+                  </a:txBody>
+                  <a:tcPr/>
+                </a:tc>
+                <a:tc>
+                  <a:txBody>
+                    <a:bodyPr/>
+                    <a:lstStyle/>
+                    <a:p>
+                      <a:pPr latinLnBrk="1"/>
+                      <a:endParaRPr lang="ko-KR" altLang="en-US" dirty="0"/>
+                    </a:p>
+                  </a:txBody>
+                  <a:tcPr/>
+                </a:tc>
+                <a:tc>
+                  <a:txBody>
+                    <a:bodyPr/>
+                    <a:lstStyle/>
+                    <a:p>
+                      <a:pPr latinLnBrk="1"/>
+                      <a:r>
+                        <a:rPr lang="en-US" altLang="ko-KR" dirty="0" smtClean="0"/>
+                        <a:t>|</a:t>
+                      </a:r>
                       <a:endParaRPr lang="ko-KR" altLang="en-US" dirty="0"/>
                     </a:p>
                   </a:txBody>
@@ -6393,6 +6262,80 @@
                     <a:lstStyle/>
                     <a:p>
                       <a:pPr latinLnBrk="1"/>
+                      <a:r>
+                        <a:rPr lang="en-US" altLang="ko-KR" dirty="0" smtClean="0"/>
+                        <a:t>|</a:t>
+                      </a:r>
+                      <a:endParaRPr lang="ko-KR" altLang="en-US" dirty="0"/>
+                    </a:p>
+                  </a:txBody>
+                  <a:tcPr/>
+                </a:tc>
+                <a:tc>
+                  <a:txBody>
+                    <a:bodyPr/>
+                    <a:lstStyle/>
+                    <a:p>
+                      <a:pPr latinLnBrk="1"/>
+                      <a:endParaRPr lang="ko-KR" altLang="en-US" dirty="0"/>
+                    </a:p>
+                  </a:txBody>
+                  <a:tcPr/>
+                </a:tc>
+                <a:tc>
+                  <a:txBody>
+                    <a:bodyPr/>
+                    <a:lstStyle/>
+                    <a:p>
+                      <a:pPr latinLnBrk="1"/>
+                      <a:endParaRPr lang="ko-KR" altLang="en-US" dirty="0"/>
+                    </a:p>
+                  </a:txBody>
+                  <a:tcPr/>
+                </a:tc>
+                <a:tc>
+                  <a:txBody>
+                    <a:bodyPr/>
+                    <a:lstStyle/>
+                    <a:p>
+                      <a:pPr latinLnBrk="1"/>
+                      <a:endParaRPr lang="ko-KR" altLang="en-US" dirty="0"/>
+                    </a:p>
+                  </a:txBody>
+                  <a:tcPr/>
+                </a:tc>
+                <a:tc>
+                  <a:txBody>
+                    <a:bodyPr/>
+                    <a:lstStyle/>
+                    <a:p>
+                      <a:pPr latinLnBrk="1"/>
+                      <a:endParaRPr lang="ko-KR" altLang="en-US" dirty="0"/>
+                    </a:p>
+                  </a:txBody>
+                  <a:tcPr/>
+                </a:tc>
+                <a:tc>
+                  <a:txBody>
+                    <a:bodyPr/>
+                    <a:lstStyle/>
+                    <a:p>
+                      <a:pPr latinLnBrk="1"/>
+                      <a:r>
+                        <a:rPr lang="en-US" altLang="ko-KR" dirty="0" smtClean="0"/>
+                        <a:t>|</a:t>
+                      </a:r>
+                      <a:endParaRPr lang="ko-KR" altLang="en-US" dirty="0"/>
+                    </a:p>
+                  </a:txBody>
+                  <a:tcPr/>
+                </a:tc>
+                <a:tc>
+                  <a:txBody>
+                    <a:bodyPr/>
+                    <a:lstStyle/>
+                    <a:p>
+                      <a:pPr latinLnBrk="1"/>
                       <a:endParaRPr lang="ko-KR" altLang="en-US"/>
                     </a:p>
                   </a:txBody>
@@ -6404,6 +6347,32 @@
                     <a:lstStyle/>
                     <a:p>
                       <a:pPr latinLnBrk="1"/>
+                      <a:endParaRPr lang="ko-KR" altLang="en-US" dirty="0"/>
+                    </a:p>
+                  </a:txBody>
+                  <a:tcPr/>
+                </a:tc>
+                <a:tc>
+                  <a:txBody>
+                    <a:bodyPr/>
+                    <a:lstStyle/>
+                    <a:p>
+                      <a:pPr latinLnBrk="1"/>
+                      <a:r>
+                        <a:rPr lang="en-US" altLang="ko-KR" dirty="0" smtClean="0"/>
+                        <a:t>|</a:t>
+                      </a:r>
+                      <a:endParaRPr lang="ko-KR" altLang="en-US" dirty="0"/>
+                    </a:p>
+                  </a:txBody>
+                  <a:tcPr/>
+                </a:tc>
+                <a:tc>
+                  <a:txBody>
+                    <a:bodyPr/>
+                    <a:lstStyle/>
+                    <a:p>
+                      <a:pPr latinLnBrk="1"/>
                       <a:endParaRPr lang="ko-KR" altLang="en-US"/>
                     </a:p>
                   </a:txBody>
@@ -6415,99 +6384,7 @@
                     <a:lstStyle/>
                     <a:p>
                       <a:pPr latinLnBrk="1"/>
-                      <a:endParaRPr lang="ko-KR" altLang="en-US"/>
-                    </a:p>
-                  </a:txBody>
-                  <a:tcPr/>
-                </a:tc>
-                <a:tc>
-                  <a:txBody>
-                    <a:bodyPr/>
-                    <a:lstStyle/>
-                    <a:p>
-                      <a:pPr latinLnBrk="1"/>
-                      <a:endParaRPr lang="ko-KR" altLang="en-US"/>
-                    </a:p>
-                  </a:txBody>
-                  <a:tcPr/>
-                </a:tc>
-                <a:tc>
-                  <a:txBody>
-                    <a:bodyPr/>
-                    <a:lstStyle/>
-                    <a:p>
-                      <a:pPr latinLnBrk="1"/>
-                      <a:endParaRPr lang="ko-KR" altLang="en-US"/>
-                    </a:p>
-                  </a:txBody>
-                  <a:tcPr/>
-                </a:tc>
-                <a:tc>
-                  <a:txBody>
-                    <a:bodyPr/>
-                    <a:lstStyle/>
-                    <a:p>
-                      <a:pPr latinLnBrk="1"/>
-                      <a:endParaRPr lang="ko-KR" altLang="en-US"/>
-                    </a:p>
-                  </a:txBody>
-                  <a:tcPr/>
-                </a:tc>
-                <a:tc>
-                  <a:txBody>
-                    <a:bodyPr/>
-                    <a:lstStyle/>
-                    <a:p>
-                      <a:pPr latinLnBrk="1"/>
-                      <a:endParaRPr lang="ko-KR" altLang="en-US"/>
-                    </a:p>
-                  </a:txBody>
-                  <a:tcPr/>
-                </a:tc>
-                <a:tc>
-                  <a:txBody>
-                    <a:bodyPr/>
-                    <a:lstStyle/>
-                    <a:p>
-                      <a:pPr latinLnBrk="1"/>
-                      <a:endParaRPr lang="ko-KR" altLang="en-US" dirty="0"/>
-                    </a:p>
-                  </a:txBody>
-                  <a:tcPr/>
-                </a:tc>
-                <a:tc>
-                  <a:txBody>
-                    <a:bodyPr/>
-                    <a:lstStyle/>
-                    <a:p>
-                      <a:pPr latinLnBrk="1"/>
-                      <a:r>
-                        <a:rPr lang="en-US" altLang="ko-KR" dirty="0" smtClean="0"/>
-                        <a:t>|</a:t>
-                      </a:r>
-                      <a:endParaRPr lang="ko-KR" altLang="en-US" dirty="0"/>
-                    </a:p>
-                  </a:txBody>
-                  <a:tcPr/>
-                </a:tc>
-                <a:tc>
-                  <a:txBody>
-                    <a:bodyPr/>
-                    <a:lstStyle/>
-                    <a:p>
-                      <a:pPr latinLnBrk="1"/>
-                      <a:endParaRPr lang="ko-KR" altLang="en-US"/>
-                    </a:p>
-                  </a:txBody>
-                  <a:tcPr/>
-                </a:tc>
-                <a:tc>
-                  <a:txBody>
-                    <a:bodyPr/>
-                    <a:lstStyle/>
-                    <a:p>
-                      <a:pPr latinLnBrk="1"/>
-                      <a:endParaRPr lang="ko-KR" altLang="en-US"/>
+                      <a:endParaRPr lang="ko-KR" altLang="en-US" dirty="0"/>
                     </a:p>
                   </a:txBody>
                   <a:tcPr/>

--- a/새끼거미 디자인.pptx
+++ b/새끼거미 디자인.pptx
@@ -2978,7 +2978,7 @@
           <p:nvPr>
             <p:extLst>
               <p:ext uri="{D42A27DB-BD31-4B8C-83A1-F6EECF244321}">
-                <p14:modId xmlns:p14="http://schemas.microsoft.com/office/powerpoint/2010/main" val="4171607128"/>
+                <p14:modId xmlns:p14="http://schemas.microsoft.com/office/powerpoint/2010/main" val="2125265828"/>
               </p:ext>
             </p:extLst>
           </p:nvPr>
@@ -4494,105 +4494,105 @@
                     <a:lstStyle/>
                     <a:p>
                       <a:pPr latinLnBrk="1"/>
-                      <a:endParaRPr lang="ko-KR" altLang="en-US"/>
-                    </a:p>
-                  </a:txBody>
-                  <a:tcPr/>
-                </a:tc>
-                <a:tc>
-                  <a:txBody>
-                    <a:bodyPr/>
-                    <a:lstStyle/>
-                    <a:p>
-                      <a:pPr latinLnBrk="1"/>
-                      <a:endParaRPr lang="ko-KR" altLang="en-US" dirty="0"/>
-                    </a:p>
-                  </a:txBody>
-                  <a:tcPr/>
-                </a:tc>
-                <a:tc>
-                  <a:txBody>
-                    <a:bodyPr/>
-                    <a:lstStyle/>
-                    <a:p>
-                      <a:pPr latinLnBrk="1"/>
-                      <a:endParaRPr lang="ko-KR" altLang="en-US" dirty="0"/>
-                    </a:p>
-                  </a:txBody>
-                  <a:tcPr/>
-                </a:tc>
-                <a:tc>
-                  <a:txBody>
-                    <a:bodyPr/>
-                    <a:lstStyle/>
-                    <a:p>
-                      <a:pPr latinLnBrk="1"/>
-                      <a:endParaRPr lang="ko-KR" altLang="en-US" dirty="0"/>
-                    </a:p>
-                  </a:txBody>
-                  <a:tcPr/>
-                </a:tc>
-                <a:tc>
-                  <a:txBody>
-                    <a:bodyPr/>
-                    <a:lstStyle/>
-                    <a:p>
-                      <a:pPr latinLnBrk="1"/>
-                      <a:endParaRPr lang="ko-KR" altLang="en-US" dirty="0"/>
-                    </a:p>
-                  </a:txBody>
-                  <a:tcPr/>
-                </a:tc>
-                <a:tc>
-                  <a:txBody>
-                    <a:bodyPr/>
-                    <a:lstStyle/>
-                    <a:p>
-                      <a:pPr latinLnBrk="1"/>
-                      <a:endParaRPr lang="ko-KR" altLang="en-US" dirty="0"/>
-                    </a:p>
-                  </a:txBody>
-                  <a:tcPr/>
-                </a:tc>
-                <a:tc>
-                  <a:txBody>
-                    <a:bodyPr/>
-                    <a:lstStyle/>
-                    <a:p>
-                      <a:pPr latinLnBrk="1"/>
-                      <a:r>
-                        <a:rPr lang="en-US" altLang="ko-KR" dirty="0" smtClean="0"/>
-                        <a:t>|</a:t>
-                      </a:r>
-                      <a:endParaRPr lang="ko-KR" altLang="en-US" dirty="0"/>
-                    </a:p>
-                  </a:txBody>
-                  <a:tcPr/>
-                </a:tc>
-                <a:tc>
-                  <a:txBody>
-                    <a:bodyPr/>
-                    <a:lstStyle/>
-                    <a:p>
-                      <a:pPr latinLnBrk="1"/>
-                      <a:r>
-                        <a:rPr lang="en-US" altLang="ko-KR" dirty="0" smtClean="0"/>
-                        <a:t>|</a:t>
-                      </a:r>
-                      <a:endParaRPr lang="ko-KR" altLang="en-US" dirty="0"/>
-                    </a:p>
-                  </a:txBody>
-                  <a:tcPr/>
-                </a:tc>
-                <a:tc>
-                  <a:txBody>
-                    <a:bodyPr/>
-                    <a:lstStyle/>
-                    <a:p>
-                      <a:pPr latinLnBrk="1"/>
-                      <a:r>
-                        <a:rPr lang="en-US" altLang="ko-KR" dirty="0" smtClean="0"/>
-                        <a:t>|</a:t>
+                      <a:endParaRPr lang="ko-KR" altLang="en-US" dirty="0"/>
+                    </a:p>
+                  </a:txBody>
+                  <a:tcPr/>
+                </a:tc>
+                <a:tc>
+                  <a:txBody>
+                    <a:bodyPr/>
+                    <a:lstStyle/>
+                    <a:p>
+                      <a:pPr latinLnBrk="1"/>
+                      <a:endParaRPr lang="ko-KR" altLang="en-US" dirty="0"/>
+                    </a:p>
+                  </a:txBody>
+                  <a:tcPr/>
+                </a:tc>
+                <a:tc>
+                  <a:txBody>
+                    <a:bodyPr/>
+                    <a:lstStyle/>
+                    <a:p>
+                      <a:pPr latinLnBrk="1"/>
+                      <a:endParaRPr lang="ko-KR" altLang="en-US" dirty="0"/>
+                    </a:p>
+                  </a:txBody>
+                  <a:tcPr/>
+                </a:tc>
+                <a:tc>
+                  <a:txBody>
+                    <a:bodyPr/>
+                    <a:lstStyle/>
+                    <a:p>
+                      <a:pPr latinLnBrk="1"/>
+                      <a:endParaRPr lang="ko-KR" altLang="en-US" dirty="0"/>
+                    </a:p>
+                  </a:txBody>
+                  <a:tcPr/>
+                </a:tc>
+                <a:tc>
+                  <a:txBody>
+                    <a:bodyPr/>
+                    <a:lstStyle/>
+                    <a:p>
+                      <a:pPr latinLnBrk="1"/>
+                      <a:endParaRPr lang="ko-KR" altLang="en-US" dirty="0"/>
+                    </a:p>
+                  </a:txBody>
+                  <a:tcPr/>
+                </a:tc>
+                <a:tc>
+                  <a:txBody>
+                    <a:bodyPr/>
+                    <a:lstStyle/>
+                    <a:p>
+                      <a:pPr latinLnBrk="1"/>
+                      <a:endParaRPr lang="ko-KR" altLang="en-US" dirty="0"/>
+                    </a:p>
+                  </a:txBody>
+                  <a:tcPr/>
+                </a:tc>
+                <a:tc>
+                  <a:txBody>
+                    <a:bodyPr/>
+                    <a:lstStyle/>
+                    <a:p>
+                      <a:pPr latinLnBrk="1"/>
+                      <a:r>
+                        <a:rPr lang="en-US" altLang="ko-KR" dirty="0" smtClean="0"/>
+                        <a:t>-</a:t>
+                      </a:r>
+                      <a:endParaRPr lang="ko-KR" altLang="en-US" dirty="0"/>
+                    </a:p>
+                  </a:txBody>
+                  <a:tcPr/>
+                </a:tc>
+                <a:tc>
+                  <a:txBody>
+                    <a:bodyPr/>
+                    <a:lstStyle/>
+                    <a:p>
+                      <a:pPr latinLnBrk="1"/>
+                      <a:r>
+                        <a:rPr lang="en-US" altLang="ko-KR" dirty="0" smtClean="0"/>
+                        <a:t>-</a:t>
+                      </a:r>
+                      <a:endParaRPr lang="ko-KR" altLang="en-US" dirty="0"/>
+                    </a:p>
+                  </a:txBody>
+                  <a:tcPr/>
+                </a:tc>
+                <a:tc>
+                  <a:txBody>
+                    <a:bodyPr/>
+                    <a:lstStyle/>
+                    <a:p>
+                      <a:pPr latinLnBrk="1"/>
+                      <a:r>
+                        <a:rPr lang="en-US" altLang="ko-KR" dirty="0" smtClean="0"/>
+                        <a:t>-</a:t>
                       </a:r>
                       <a:endParaRPr lang="ko-KR" altLang="en-US" dirty="0"/>
                     </a:p>
@@ -4693,7 +4693,7 @@
                     <a:lstStyle/>
                     <a:p>
                       <a:pPr latinLnBrk="1"/>
-                      <a:endParaRPr lang="ko-KR" altLang="en-US"/>
+                      <a:endParaRPr lang="ko-KR" altLang="en-US" dirty="0"/>
                     </a:p>
                   </a:txBody>
                   <a:tcPr/>
@@ -5350,10 +5350,6 @@
                     <a:lstStyle/>
                     <a:p>
                       <a:pPr latinLnBrk="1"/>
-                      <a:r>
-                        <a:rPr lang="en-US" altLang="ko-KR" dirty="0" smtClean="0"/>
-                        <a:t>|</a:t>
-                      </a:r>
                       <a:endParaRPr lang="ko-KR" altLang="en-US" dirty="0"/>
                     </a:p>
                   </a:txBody>
@@ -5573,18 +5569,18 @@
                     <a:lstStyle/>
                     <a:p>
                       <a:pPr latinLnBrk="1"/>
-                      <a:endParaRPr lang="ko-KR" altLang="en-US"/>
-                    </a:p>
-                  </a:txBody>
-                  <a:tcPr/>
-                </a:tc>
-                <a:tc>
-                  <a:txBody>
-                    <a:bodyPr/>
-                    <a:lstStyle/>
-                    <a:p>
-                      <a:pPr latinLnBrk="1"/>
-                      <a:endParaRPr lang="ko-KR" altLang="en-US"/>
+                      <a:endParaRPr lang="ko-KR" altLang="en-US" dirty="0"/>
+                    </a:p>
+                  </a:txBody>
+                  <a:tcPr/>
+                </a:tc>
+                <a:tc>
+                  <a:txBody>
+                    <a:bodyPr/>
+                    <a:lstStyle/>
+                    <a:p>
+                      <a:pPr latinLnBrk="1"/>
+                      <a:endParaRPr lang="ko-KR" altLang="en-US" dirty="0"/>
                     </a:p>
                   </a:txBody>
                   <a:tcPr/>
@@ -5803,6 +5799,39 @@
                     <a:lstStyle/>
                     <a:p>
                       <a:pPr latinLnBrk="1"/>
+                      <a:endParaRPr lang="ko-KR" altLang="en-US" dirty="0"/>
+                    </a:p>
+                  </a:txBody>
+                  <a:tcPr/>
+                </a:tc>
+                <a:tc>
+                  <a:txBody>
+                    <a:bodyPr/>
+                    <a:lstStyle/>
+                    <a:p>
+                      <a:pPr latinLnBrk="1"/>
+                      <a:endParaRPr lang="ko-KR" altLang="en-US" dirty="0"/>
+                    </a:p>
+                  </a:txBody>
+                  <a:tcPr/>
+                </a:tc>
+                <a:tc>
+                  <a:txBody>
+                    <a:bodyPr/>
+                    <a:lstStyle/>
+                    <a:p>
+                      <a:pPr latinLnBrk="1"/>
+                      <a:endParaRPr lang="ko-KR" altLang="en-US" dirty="0"/>
+                    </a:p>
+                  </a:txBody>
+                  <a:tcPr/>
+                </a:tc>
+                <a:tc>
+                  <a:txBody>
+                    <a:bodyPr/>
+                    <a:lstStyle/>
+                    <a:p>
+                      <a:pPr latinLnBrk="1"/>
                       <a:r>
                         <a:rPr lang="en-US" altLang="ko-KR" dirty="0" smtClean="0"/>
                         <a:t>|</a:t>
@@ -5818,28 +5847,6 @@
                     <a:lstStyle/>
                     <a:p>
                       <a:pPr latinLnBrk="1"/>
-                      <a:endParaRPr lang="ko-KR" altLang="en-US" dirty="0"/>
-                    </a:p>
-                  </a:txBody>
-                  <a:tcPr/>
-                </a:tc>
-                <a:tc>
-                  <a:txBody>
-                    <a:bodyPr/>
-                    <a:lstStyle/>
-                    <a:p>
-                      <a:pPr latinLnBrk="1"/>
-                      <a:endParaRPr lang="ko-KR" altLang="en-US" dirty="0"/>
-                    </a:p>
-                  </a:txBody>
-                  <a:tcPr/>
-                </a:tc>
-                <a:tc>
-                  <a:txBody>
-                    <a:bodyPr/>
-                    <a:lstStyle/>
-                    <a:p>
-                      <a:pPr latinLnBrk="1"/>
                       <a:r>
                         <a:rPr lang="en-US" altLang="ko-KR" dirty="0" smtClean="0"/>
                         <a:t>|</a:t>
@@ -5855,6 +5862,39 @@
                     <a:lstStyle/>
                     <a:p>
                       <a:pPr latinLnBrk="1"/>
+                      <a:endParaRPr lang="ko-KR" altLang="en-US" dirty="0"/>
+                    </a:p>
+                  </a:txBody>
+                  <a:tcPr/>
+                </a:tc>
+                <a:tc>
+                  <a:txBody>
+                    <a:bodyPr/>
+                    <a:lstStyle/>
+                    <a:p>
+                      <a:pPr latinLnBrk="1"/>
+                      <a:endParaRPr lang="ko-KR" altLang="en-US" dirty="0"/>
+                    </a:p>
+                  </a:txBody>
+                  <a:tcPr/>
+                </a:tc>
+                <a:tc>
+                  <a:txBody>
+                    <a:bodyPr/>
+                    <a:lstStyle/>
+                    <a:p>
+                      <a:pPr latinLnBrk="1"/>
+                      <a:endParaRPr lang="ko-KR" altLang="en-US" dirty="0"/>
+                    </a:p>
+                  </a:txBody>
+                  <a:tcPr/>
+                </a:tc>
+                <a:tc>
+                  <a:txBody>
+                    <a:bodyPr/>
+                    <a:lstStyle/>
+                    <a:p>
+                      <a:pPr latinLnBrk="1"/>
                       <a:r>
                         <a:rPr lang="en-US" altLang="ko-KR" dirty="0" smtClean="0"/>
                         <a:t>|</a:t>
@@ -5870,28 +5910,6 @@
                     <a:lstStyle/>
                     <a:p>
                       <a:pPr latinLnBrk="1"/>
-                      <a:endParaRPr lang="ko-KR" altLang="en-US" dirty="0"/>
-                    </a:p>
-                  </a:txBody>
-                  <a:tcPr/>
-                </a:tc>
-                <a:tc>
-                  <a:txBody>
-                    <a:bodyPr/>
-                    <a:lstStyle/>
-                    <a:p>
-                      <a:pPr latinLnBrk="1"/>
-                      <a:endParaRPr lang="ko-KR" altLang="en-US" dirty="0"/>
-                    </a:p>
-                  </a:txBody>
-                  <a:tcPr/>
-                </a:tc>
-                <a:tc>
-                  <a:txBody>
-                    <a:bodyPr/>
-                    <a:lstStyle/>
-                    <a:p>
-                      <a:pPr latinLnBrk="1"/>
                       <a:r>
                         <a:rPr lang="en-US" altLang="ko-KR" dirty="0" smtClean="0"/>
                         <a:t>|</a:t>
@@ -5918,47 +5936,17 @@
                     <a:lstStyle/>
                     <a:p>
                       <a:pPr latinLnBrk="1"/>
-                      <a:r>
-                        <a:rPr lang="en-US" altLang="ko-KR" dirty="0" smtClean="0"/>
-                        <a:t>|</a:t>
-                      </a:r>
-                      <a:endParaRPr lang="ko-KR" altLang="en-US" dirty="0"/>
-                    </a:p>
-                  </a:txBody>
-                  <a:tcPr/>
-                </a:tc>
-                <a:tc>
-                  <a:txBody>
-                    <a:bodyPr/>
-                    <a:lstStyle/>
-                    <a:p>
-                      <a:pPr latinLnBrk="1"/>
-                      <a:endParaRPr lang="ko-KR" altLang="en-US" dirty="0"/>
-                    </a:p>
-                  </a:txBody>
-                  <a:tcPr/>
-                </a:tc>
-                <a:tc>
-                  <a:txBody>
-                    <a:bodyPr/>
-                    <a:lstStyle/>
-                    <a:p>
-                      <a:pPr latinLnBrk="1"/>
-                      <a:endParaRPr lang="ko-KR" altLang="en-US" dirty="0"/>
-                    </a:p>
-                  </a:txBody>
-                  <a:tcPr/>
-                </a:tc>
-                <a:tc>
-                  <a:txBody>
-                    <a:bodyPr/>
-                    <a:lstStyle/>
-                    <a:p>
-                      <a:pPr latinLnBrk="1"/>
-                      <a:r>
-                        <a:rPr lang="en-US" altLang="ko-KR" dirty="0" smtClean="0"/>
-                        <a:t>|</a:t>
-                      </a:r>
+                      <a:endParaRPr lang="ko-KR" altLang="en-US" dirty="0"/>
+                    </a:p>
+                  </a:txBody>
+                  <a:tcPr/>
+                </a:tc>
+                <a:tc>
+                  <a:txBody>
+                    <a:bodyPr/>
+                    <a:lstStyle/>
+                    <a:p>
+                      <a:pPr latinLnBrk="1"/>
                       <a:endParaRPr lang="ko-KR" altLang="en-US" dirty="0"/>
                     </a:p>
                   </a:txBody>
@@ -6003,184 +5991,160 @@
                     <a:lstStyle/>
                     <a:p>
                       <a:pPr latinLnBrk="1"/>
-                      <a:r>
-                        <a:rPr lang="en-US" altLang="ko-KR" dirty="0" smtClean="0"/>
-                        <a:t>|</a:t>
-                      </a:r>
-                      <a:endParaRPr lang="ko-KR" altLang="en-US" dirty="0"/>
-                    </a:p>
-                  </a:txBody>
-                  <a:tcPr/>
-                </a:tc>
-                <a:tc>
-                  <a:txBody>
-                    <a:bodyPr/>
-                    <a:lstStyle/>
-                    <a:p>
-                      <a:pPr latinLnBrk="1"/>
-                      <a:endParaRPr lang="ko-KR" altLang="en-US" dirty="0"/>
-                    </a:p>
-                  </a:txBody>
-                  <a:tcPr/>
-                </a:tc>
-                <a:tc>
-                  <a:txBody>
-                    <a:bodyPr/>
-                    <a:lstStyle/>
-                    <a:p>
-                      <a:pPr latinLnBrk="1"/>
-                      <a:endParaRPr lang="ko-KR" altLang="en-US" dirty="0"/>
-                    </a:p>
-                  </a:txBody>
-                  <a:tcPr/>
-                </a:tc>
-                <a:tc>
-                  <a:txBody>
-                    <a:bodyPr/>
-                    <a:lstStyle/>
-                    <a:p>
-                      <a:pPr latinLnBrk="1"/>
-                      <a:r>
-                        <a:rPr lang="en-US" altLang="ko-KR" dirty="0" smtClean="0"/>
-                        <a:t>|</a:t>
-                      </a:r>
-                      <a:endParaRPr lang="ko-KR" altLang="en-US" dirty="0"/>
-                    </a:p>
-                  </a:txBody>
-                  <a:tcPr/>
-                </a:tc>
-                <a:tc>
-                  <a:txBody>
-                    <a:bodyPr/>
-                    <a:lstStyle/>
-                    <a:p>
-                      <a:pPr latinLnBrk="1"/>
-                      <a:endParaRPr lang="ko-KR" altLang="en-US" dirty="0"/>
-                    </a:p>
-                  </a:txBody>
-                  <a:tcPr/>
-                </a:tc>
-                <a:tc>
-                  <a:txBody>
-                    <a:bodyPr/>
-                    <a:lstStyle/>
-                    <a:p>
-                      <a:pPr latinLnBrk="1"/>
-                      <a:r>
-                        <a:rPr lang="en-US" altLang="ko-KR" dirty="0" smtClean="0"/>
-                        <a:t>|</a:t>
-                      </a:r>
-                      <a:endParaRPr lang="ko-KR" altLang="en-US" dirty="0"/>
-                    </a:p>
-                  </a:txBody>
-                  <a:tcPr/>
-                </a:tc>
-                <a:tc>
-                  <a:txBody>
-                    <a:bodyPr/>
-                    <a:lstStyle/>
-                    <a:p>
-                      <a:pPr latinLnBrk="1"/>
-                      <a:endParaRPr lang="ko-KR" altLang="en-US" dirty="0"/>
-                    </a:p>
-                  </a:txBody>
-                  <a:tcPr/>
-                </a:tc>
-                <a:tc>
-                  <a:txBody>
-                    <a:bodyPr/>
-                    <a:lstStyle/>
-                    <a:p>
-                      <a:pPr latinLnBrk="1"/>
-                      <a:endParaRPr lang="ko-KR" altLang="en-US" dirty="0"/>
-                    </a:p>
-                  </a:txBody>
-                  <a:tcPr/>
-                </a:tc>
-                <a:tc>
-                  <a:txBody>
-                    <a:bodyPr/>
-                    <a:lstStyle/>
-                    <a:p>
-                      <a:pPr latinLnBrk="1"/>
-                      <a:r>
-                        <a:rPr lang="en-US" altLang="ko-KR" dirty="0" smtClean="0"/>
-                        <a:t>|</a:t>
-                      </a:r>
-                      <a:endParaRPr lang="ko-KR" altLang="en-US" dirty="0"/>
-                    </a:p>
-                  </a:txBody>
-                  <a:tcPr/>
-                </a:tc>
-                <a:tc>
-                  <a:txBody>
-                    <a:bodyPr/>
-                    <a:lstStyle/>
-                    <a:p>
-                      <a:pPr latinLnBrk="1"/>
-                      <a:endParaRPr lang="ko-KR" altLang="en-US" dirty="0"/>
-                    </a:p>
-                  </a:txBody>
-                  <a:tcPr/>
-                </a:tc>
-                <a:tc>
-                  <a:txBody>
-                    <a:bodyPr/>
-                    <a:lstStyle/>
-                    <a:p>
-                      <a:pPr latinLnBrk="1"/>
-                      <a:endParaRPr lang="ko-KR" altLang="en-US" dirty="0"/>
-                    </a:p>
-                  </a:txBody>
-                  <a:tcPr/>
-                </a:tc>
-                <a:tc>
-                  <a:txBody>
-                    <a:bodyPr/>
-                    <a:lstStyle/>
-                    <a:p>
-                      <a:pPr latinLnBrk="1"/>
-                      <a:r>
-                        <a:rPr lang="en-US" altLang="ko-KR" dirty="0" smtClean="0"/>
-                        <a:t>|</a:t>
-                      </a:r>
-                      <a:endParaRPr lang="ko-KR" altLang="en-US" dirty="0"/>
-                    </a:p>
-                  </a:txBody>
-                  <a:tcPr/>
-                </a:tc>
-                <a:tc>
-                  <a:txBody>
-                    <a:bodyPr/>
-                    <a:lstStyle/>
-                    <a:p>
-                      <a:pPr latinLnBrk="1"/>
-                      <a:endParaRPr lang="ko-KR" altLang="en-US" dirty="0"/>
-                    </a:p>
-                  </a:txBody>
-                  <a:tcPr/>
-                </a:tc>
-                <a:tc>
-                  <a:txBody>
-                    <a:bodyPr/>
-                    <a:lstStyle/>
-                    <a:p>
-                      <a:pPr latinLnBrk="1"/>
-                      <a:endParaRPr lang="ko-KR" altLang="en-US" dirty="0"/>
-                    </a:p>
-                  </a:txBody>
-                  <a:tcPr/>
-                </a:tc>
-                <a:tc>
-                  <a:txBody>
-                    <a:bodyPr/>
-                    <a:lstStyle/>
-                    <a:p>
-                      <a:pPr latinLnBrk="1"/>
-                      <a:r>
-                        <a:rPr lang="en-US" altLang="ko-KR" dirty="0" smtClean="0"/>
-                        <a:t>|</a:t>
-                      </a:r>
+                      <a:endParaRPr lang="ko-KR" altLang="en-US" dirty="0"/>
+                    </a:p>
+                  </a:txBody>
+                  <a:tcPr/>
+                </a:tc>
+                <a:tc>
+                  <a:txBody>
+                    <a:bodyPr/>
+                    <a:lstStyle/>
+                    <a:p>
+                      <a:pPr latinLnBrk="1"/>
+                      <a:endParaRPr lang="ko-KR" altLang="en-US" dirty="0"/>
+                    </a:p>
+                  </a:txBody>
+                  <a:tcPr/>
+                </a:tc>
+                <a:tc>
+                  <a:txBody>
+                    <a:bodyPr/>
+                    <a:lstStyle/>
+                    <a:p>
+                      <a:pPr latinLnBrk="1"/>
+                      <a:endParaRPr lang="ko-KR" altLang="en-US" dirty="0"/>
+                    </a:p>
+                  </a:txBody>
+                  <a:tcPr/>
+                </a:tc>
+                <a:tc>
+                  <a:txBody>
+                    <a:bodyPr/>
+                    <a:lstStyle/>
+                    <a:p>
+                      <a:pPr latinLnBrk="1"/>
+                      <a:endParaRPr lang="ko-KR" altLang="en-US" dirty="0"/>
+                    </a:p>
+                  </a:txBody>
+                  <a:tcPr/>
+                </a:tc>
+                <a:tc>
+                  <a:txBody>
+                    <a:bodyPr/>
+                    <a:lstStyle/>
+                    <a:p>
+                      <a:pPr latinLnBrk="1"/>
+                      <a:endParaRPr lang="ko-KR" altLang="en-US" dirty="0"/>
+                    </a:p>
+                  </a:txBody>
+                  <a:tcPr/>
+                </a:tc>
+                <a:tc>
+                  <a:txBody>
+                    <a:bodyPr/>
+                    <a:lstStyle/>
+                    <a:p>
+                      <a:pPr latinLnBrk="1"/>
+                      <a:endParaRPr lang="ko-KR" altLang="en-US" dirty="0"/>
+                    </a:p>
+                  </a:txBody>
+                  <a:tcPr/>
+                </a:tc>
+                <a:tc>
+                  <a:txBody>
+                    <a:bodyPr/>
+                    <a:lstStyle/>
+                    <a:p>
+                      <a:pPr latinLnBrk="1"/>
+                      <a:endParaRPr lang="ko-KR" altLang="en-US" dirty="0"/>
+                    </a:p>
+                  </a:txBody>
+                  <a:tcPr/>
+                </a:tc>
+                <a:tc>
+                  <a:txBody>
+                    <a:bodyPr/>
+                    <a:lstStyle/>
+                    <a:p>
+                      <a:pPr latinLnBrk="1"/>
+                      <a:endParaRPr lang="ko-KR" altLang="en-US" dirty="0"/>
+                    </a:p>
+                  </a:txBody>
+                  <a:tcPr/>
+                </a:tc>
+                <a:tc>
+                  <a:txBody>
+                    <a:bodyPr/>
+                    <a:lstStyle/>
+                    <a:p>
+                      <a:pPr latinLnBrk="1"/>
+                      <a:endParaRPr lang="ko-KR" altLang="en-US" dirty="0"/>
+                    </a:p>
+                  </a:txBody>
+                  <a:tcPr/>
+                </a:tc>
+                <a:tc>
+                  <a:txBody>
+                    <a:bodyPr/>
+                    <a:lstStyle/>
+                    <a:p>
+                      <a:pPr latinLnBrk="1"/>
+                      <a:endParaRPr lang="ko-KR" altLang="en-US" dirty="0"/>
+                    </a:p>
+                  </a:txBody>
+                  <a:tcPr/>
+                </a:tc>
+                <a:tc>
+                  <a:txBody>
+                    <a:bodyPr/>
+                    <a:lstStyle/>
+                    <a:p>
+                      <a:pPr latinLnBrk="1"/>
+                      <a:endParaRPr lang="ko-KR" altLang="en-US" dirty="0"/>
+                    </a:p>
+                  </a:txBody>
+                  <a:tcPr/>
+                </a:tc>
+                <a:tc>
+                  <a:txBody>
+                    <a:bodyPr/>
+                    <a:lstStyle/>
+                    <a:p>
+                      <a:pPr latinLnBrk="1"/>
+                      <a:endParaRPr lang="ko-KR" altLang="en-US" dirty="0"/>
+                    </a:p>
+                  </a:txBody>
+                  <a:tcPr/>
+                </a:tc>
+                <a:tc>
+                  <a:txBody>
+                    <a:bodyPr/>
+                    <a:lstStyle/>
+                    <a:p>
+                      <a:pPr latinLnBrk="1"/>
+                      <a:endParaRPr lang="ko-KR" altLang="en-US" dirty="0"/>
+                    </a:p>
+                  </a:txBody>
+                  <a:tcPr/>
+                </a:tc>
+                <a:tc>
+                  <a:txBody>
+                    <a:bodyPr/>
+                    <a:lstStyle/>
+                    <a:p>
+                      <a:pPr latinLnBrk="1"/>
+                      <a:endParaRPr lang="ko-KR" altLang="en-US" dirty="0"/>
+                    </a:p>
+                  </a:txBody>
+                  <a:tcPr/>
+                </a:tc>
+                <a:tc>
+                  <a:txBody>
+                    <a:bodyPr/>
+                    <a:lstStyle/>
+                    <a:p>
+                      <a:pPr latinLnBrk="1"/>
                       <a:endParaRPr lang="ko-KR" altLang="en-US" dirty="0"/>
                     </a:p>
                   </a:txBody>
@@ -6236,132 +6200,116 @@
                     <a:lstStyle/>
                     <a:p>
                       <a:pPr latinLnBrk="1"/>
-                      <a:r>
-                        <a:rPr lang="en-US" altLang="ko-KR" dirty="0" smtClean="0"/>
-                        <a:t>|</a:t>
-                      </a:r>
-                      <a:endParaRPr lang="ko-KR" altLang="en-US" dirty="0"/>
-                    </a:p>
-                  </a:txBody>
-                  <a:tcPr/>
-                </a:tc>
-                <a:tc>
-                  <a:txBody>
-                    <a:bodyPr/>
-                    <a:lstStyle/>
-                    <a:p>
-                      <a:pPr latinLnBrk="1"/>
-                      <a:endParaRPr lang="ko-KR" altLang="en-US" dirty="0"/>
-                    </a:p>
-                  </a:txBody>
-                  <a:tcPr/>
-                </a:tc>
-                <a:tc>
-                  <a:txBody>
-                    <a:bodyPr/>
-                    <a:lstStyle/>
-                    <a:p>
-                      <a:pPr latinLnBrk="1"/>
-                      <a:r>
-                        <a:rPr lang="en-US" altLang="ko-KR" dirty="0" smtClean="0"/>
-                        <a:t>|</a:t>
-                      </a:r>
-                      <a:endParaRPr lang="ko-KR" altLang="en-US" dirty="0"/>
-                    </a:p>
-                  </a:txBody>
-                  <a:tcPr/>
-                </a:tc>
-                <a:tc>
-                  <a:txBody>
-                    <a:bodyPr/>
-                    <a:lstStyle/>
-                    <a:p>
-                      <a:pPr latinLnBrk="1"/>
-                      <a:endParaRPr lang="ko-KR" altLang="en-US" dirty="0"/>
-                    </a:p>
-                  </a:txBody>
-                  <a:tcPr/>
-                </a:tc>
-                <a:tc>
-                  <a:txBody>
-                    <a:bodyPr/>
-                    <a:lstStyle/>
-                    <a:p>
-                      <a:pPr latinLnBrk="1"/>
-                      <a:endParaRPr lang="ko-KR" altLang="en-US" dirty="0"/>
-                    </a:p>
-                  </a:txBody>
-                  <a:tcPr/>
-                </a:tc>
-                <a:tc>
-                  <a:txBody>
-                    <a:bodyPr/>
-                    <a:lstStyle/>
-                    <a:p>
-                      <a:pPr latinLnBrk="1"/>
-                      <a:endParaRPr lang="ko-KR" altLang="en-US" dirty="0"/>
-                    </a:p>
-                  </a:txBody>
-                  <a:tcPr/>
-                </a:tc>
-                <a:tc>
-                  <a:txBody>
-                    <a:bodyPr/>
-                    <a:lstStyle/>
-                    <a:p>
-                      <a:pPr latinLnBrk="1"/>
-                      <a:endParaRPr lang="ko-KR" altLang="en-US" dirty="0"/>
-                    </a:p>
-                  </a:txBody>
-                  <a:tcPr/>
-                </a:tc>
-                <a:tc>
-                  <a:txBody>
-                    <a:bodyPr/>
-                    <a:lstStyle/>
-                    <a:p>
-                      <a:pPr latinLnBrk="1"/>
-                      <a:r>
-                        <a:rPr lang="en-US" altLang="ko-KR" dirty="0" smtClean="0"/>
-                        <a:t>|</a:t>
-                      </a:r>
-                      <a:endParaRPr lang="ko-KR" altLang="en-US" dirty="0"/>
-                    </a:p>
-                  </a:txBody>
-                  <a:tcPr/>
-                </a:tc>
-                <a:tc>
-                  <a:txBody>
-                    <a:bodyPr/>
-                    <a:lstStyle/>
-                    <a:p>
-                      <a:pPr latinLnBrk="1"/>
-                      <a:endParaRPr lang="ko-KR" altLang="en-US"/>
-                    </a:p>
-                  </a:txBody>
-                  <a:tcPr/>
-                </a:tc>
-                <a:tc>
-                  <a:txBody>
-                    <a:bodyPr/>
-                    <a:lstStyle/>
-                    <a:p>
-                      <a:pPr latinLnBrk="1"/>
-                      <a:endParaRPr lang="ko-KR" altLang="en-US" dirty="0"/>
-                    </a:p>
-                  </a:txBody>
-                  <a:tcPr/>
-                </a:tc>
-                <a:tc>
-                  <a:txBody>
-                    <a:bodyPr/>
-                    <a:lstStyle/>
-                    <a:p>
-                      <a:pPr latinLnBrk="1"/>
-                      <a:r>
-                        <a:rPr lang="en-US" altLang="ko-KR" dirty="0" smtClean="0"/>
-                        <a:t>|</a:t>
-                      </a:r>
+                      <a:endParaRPr lang="ko-KR" altLang="en-US" dirty="0"/>
+                    </a:p>
+                  </a:txBody>
+                  <a:tcPr/>
+                </a:tc>
+                <a:tc>
+                  <a:txBody>
+                    <a:bodyPr/>
+                    <a:lstStyle/>
+                    <a:p>
+                      <a:pPr latinLnBrk="1"/>
+                      <a:endParaRPr lang="ko-KR" altLang="en-US" dirty="0"/>
+                    </a:p>
+                  </a:txBody>
+                  <a:tcPr/>
+                </a:tc>
+                <a:tc>
+                  <a:txBody>
+                    <a:bodyPr/>
+                    <a:lstStyle/>
+                    <a:p>
+                      <a:pPr latinLnBrk="1"/>
+                      <a:endParaRPr lang="ko-KR" altLang="en-US" dirty="0"/>
+                    </a:p>
+                  </a:txBody>
+                  <a:tcPr/>
+                </a:tc>
+                <a:tc>
+                  <a:txBody>
+                    <a:bodyPr/>
+                    <a:lstStyle/>
+                    <a:p>
+                      <a:pPr latinLnBrk="1"/>
+                      <a:endParaRPr lang="ko-KR" altLang="en-US" dirty="0"/>
+                    </a:p>
+                  </a:txBody>
+                  <a:tcPr/>
+                </a:tc>
+                <a:tc>
+                  <a:txBody>
+                    <a:bodyPr/>
+                    <a:lstStyle/>
+                    <a:p>
+                      <a:pPr latinLnBrk="1"/>
+                      <a:endParaRPr lang="ko-KR" altLang="en-US" dirty="0"/>
+                    </a:p>
+                  </a:txBody>
+                  <a:tcPr/>
+                </a:tc>
+                <a:tc>
+                  <a:txBody>
+                    <a:bodyPr/>
+                    <a:lstStyle/>
+                    <a:p>
+                      <a:pPr latinLnBrk="1"/>
+                      <a:endParaRPr lang="ko-KR" altLang="en-US" dirty="0"/>
+                    </a:p>
+                  </a:txBody>
+                  <a:tcPr/>
+                </a:tc>
+                <a:tc>
+                  <a:txBody>
+                    <a:bodyPr/>
+                    <a:lstStyle/>
+                    <a:p>
+                      <a:pPr latinLnBrk="1"/>
+                      <a:endParaRPr lang="ko-KR" altLang="en-US" dirty="0"/>
+                    </a:p>
+                  </a:txBody>
+                  <a:tcPr/>
+                </a:tc>
+                <a:tc>
+                  <a:txBody>
+                    <a:bodyPr/>
+                    <a:lstStyle/>
+                    <a:p>
+                      <a:pPr latinLnBrk="1"/>
+                      <a:endParaRPr lang="ko-KR" altLang="en-US" dirty="0"/>
+                    </a:p>
+                  </a:txBody>
+                  <a:tcPr/>
+                </a:tc>
+                <a:tc>
+                  <a:txBody>
+                    <a:bodyPr/>
+                    <a:lstStyle/>
+                    <a:p>
+                      <a:pPr latinLnBrk="1"/>
+                      <a:endParaRPr lang="ko-KR" altLang="en-US" dirty="0"/>
+                    </a:p>
+                  </a:txBody>
+                  <a:tcPr/>
+                </a:tc>
+                <a:tc>
+                  <a:txBody>
+                    <a:bodyPr/>
+                    <a:lstStyle/>
+                    <a:p>
+                      <a:pPr latinLnBrk="1"/>
+                      <a:endParaRPr lang="ko-KR" altLang="en-US" dirty="0"/>
+                    </a:p>
+                  </a:txBody>
+                  <a:tcPr/>
+                </a:tc>
+                <a:tc>
+                  <a:txBody>
+                    <a:bodyPr/>
+                    <a:lstStyle/>
+                    <a:p>
+                      <a:pPr latinLnBrk="1"/>
                       <a:endParaRPr lang="ko-KR" altLang="en-US" dirty="0"/>
                     </a:p>
                   </a:txBody>
